--- a/Dokumentaatio/miettinen-lauri-thesis-poster.pptx
+++ b/Dokumentaatio/miettinen-lauri-thesis-poster.pptx
@@ -1790,7 +1790,7 @@
           </a:lstStyle>
           <a:p>
             <a:r>
-              <a:rPr lang="fi-FI" sz="1200">
+              <a:rPr lang="fi-FI" sz="1200" dirty="0" err="1">
                 <a:solidFill>
                   <a:schemeClr val="tx1">
                     <a:lumMod val="50000"/>
@@ -1798,8 +1798,16 @@
                   </a:schemeClr>
                 </a:solidFill>
               </a:rPr>
-              <a:t>Mobiiliprojekti</a:t>
-            </a:r>
+              <a:t>Thesis</a:t>
+            </a:r>
+            <a:endParaRPr lang="fi-FI" sz="1200" dirty="0">
+              <a:solidFill>
+                <a:schemeClr val="tx1">
+                  <a:lumMod val="50000"/>
+                  <a:lumOff val="50000"/>
+                </a:schemeClr>
+              </a:solidFill>
+            </a:endParaRPr>
           </a:p>
         </p:txBody>
       </p:sp>
@@ -1919,7 +1927,7 @@
           </a:lstStyle>
           <a:p>
             <a:r>
-              <a:rPr lang="fi-FI" sz="1200">
+              <a:rPr lang="fi-FI" sz="1200" dirty="0">
                 <a:solidFill>
                   <a:schemeClr val="tx1">
                     <a:lumMod val="50000"/>
@@ -1927,7 +1935,29 @@
                   </a:schemeClr>
                 </a:solidFill>
               </a:rPr>
-              <a:t>Opintopisteitä: 6</a:t>
+              <a:t>ECTS </a:t>
+            </a:r>
+            <a:r>
+              <a:rPr lang="fi-FI" sz="1200" dirty="0" err="1">
+                <a:solidFill>
+                  <a:schemeClr val="tx1">
+                    <a:lumMod val="50000"/>
+                    <a:lumOff val="50000"/>
+                  </a:schemeClr>
+                </a:solidFill>
+              </a:rPr>
+              <a:t>credits</a:t>
+            </a:r>
+            <a:r>
+              <a:rPr lang="fi-FI" sz="1200" dirty="0">
+                <a:solidFill>
+                  <a:schemeClr val="tx1">
+                    <a:lumMod val="50000"/>
+                    <a:lumOff val="50000"/>
+                  </a:schemeClr>
+                </a:solidFill>
+              </a:rPr>
+              <a:t>: 6</a:t>
             </a:r>
           </a:p>
         </p:txBody>
@@ -2048,7 +2078,7 @@
           </a:lstStyle>
           <a:p>
             <a:r>
-              <a:rPr lang="fi-FI" sz="1200">
+              <a:rPr lang="en-US" sz="1200" dirty="0">
                 <a:solidFill>
                   <a:schemeClr val="tx1">
                     <a:lumMod val="50000"/>
@@ -2056,9 +2086,9 @@
                   </a:schemeClr>
                 </a:solidFill>
               </a:rPr>
-              <a:t>Julkaisupäivä: 6.5.2017</a:t>
-            </a:r>
-            <a:endParaRPr lang="FI-FI" sz="1200">
+              <a:t>Date of publication: December 1. 2017​</a:t>
+            </a:r>
+            <a:endParaRPr lang="FI-FI" sz="1200" dirty="0">
               <a:solidFill>
                 <a:schemeClr val="tx1">
                   <a:lumMod val="50000"/>
@@ -2185,7 +2215,7 @@
           </a:lstStyle>
           <a:p>
             <a:r>
-              <a:rPr lang="fi-FI" sz="1200">
+              <a:rPr lang="fi-FI" sz="1200" dirty="0" err="1">
                 <a:solidFill>
                   <a:schemeClr val="tx1">
                     <a:lumMod val="50000"/>
@@ -2193,7 +2223,18 @@
                   </a:schemeClr>
                 </a:solidFill>
               </a:rPr>
-              <a:t>Ohjaajat: Eino Niemi, Raija Westerlund</a:t>
+              <a:t>Supervisor</a:t>
+            </a:r>
+            <a:r>
+              <a:rPr lang="fi-FI" sz="1200" dirty="0">
+                <a:solidFill>
+                  <a:schemeClr val="tx1">
+                    <a:lumMod val="50000"/>
+                    <a:lumOff val="50000"/>
+                  </a:schemeClr>
+                </a:solidFill>
+              </a:rPr>
+              <a:t>: Veijo Väisänen</a:t>
             </a:r>
           </a:p>
         </p:txBody>
@@ -2237,13 +2278,10 @@
           </a:lstStyle>
           <a:p>
             <a:r>
-              <a:rPr lang="fi-FI" dirty="0" err="1"/>
-              <a:t>CraftGo</a:t>
-            </a:r>
-            <a:r>
-              <a:rPr lang="fi-FI" dirty="0"/>
-              <a:t>-mobiilipeli</a:t>
-            </a:r>
+              <a:rPr lang="en-US" dirty="0"/>
+              <a:t>Developing a smart contract for tracking the life cycle of a classic car</a:t>
+            </a:r>
+            <a:endParaRPr lang="fi-FI" dirty="0"/>
           </a:p>
         </p:txBody>
       </p:sp>
@@ -2366,42 +2404,22 @@
           </a:lstStyle>
           <a:p>
             <a:r>
-              <a:rPr lang="fi-FI" dirty="0"/>
-              <a:t>Esa Hannila, Jori </a:t>
-            </a:r>
-            <a:r>
-              <a:rPr lang="fi-FI" dirty="0" err="1"/>
-              <a:t>Piira</a:t>
-            </a:r>
-            <a:r>
-              <a:rPr lang="fi-FI"/>
-              <a:t>, </a:t>
-            </a:r>
-            <a:r>
-              <a:rPr lang="FI-FI"/>
+              <a:rPr lang="FI-FI" dirty="0"/>
               <a:t>Lauri Miettinen</a:t>
             </a:r>
           </a:p>
           <a:p>
             <a:r>
-              <a:rPr lang="fi-FI" dirty="0"/>
-              <a:t>Tekniikan ja luonnonvara-alan yksikkö</a:t>
-            </a:r>
-            <a:r>
-              <a:rPr lang="FI-FI" dirty="0"/>
-              <a:t>, </a:t>
-            </a:r>
-            <a:r>
-              <a:rPr lang="fi-FI" dirty="0"/>
-              <a:t>Tietotekniikka</a:t>
-            </a:r>
-            <a:r>
-              <a:rPr lang="FI-FI" dirty="0"/>
-              <a:t>, </a:t>
-            </a:r>
-            <a:r>
-              <a:rPr lang="fi-FI" dirty="0"/>
-              <a:t>Ohjelmistokehitys</a:t>
+              <a:rPr lang="en-US" dirty="0"/>
+              <a:t>Degree </a:t>
+            </a:r>
+            <a:r>
+              <a:rPr lang="en-US" dirty="0" err="1"/>
+              <a:t>programme</a:t>
+            </a:r>
+            <a:r>
+              <a:rPr lang="en-US" dirty="0"/>
+              <a:t> in information technology, software development</a:t>
             </a:r>
             <a:endParaRPr lang="FI-FI" dirty="0"/>
           </a:p>
@@ -2429,85 +2447,125 @@
           </a:bodyPr>
           <a:lstStyle/>
           <a:p>
-            <a:r>
-              <a:rPr lang="fi-FI" b="1">
-                <a:latin typeface="arial narrow"/>
-              </a:rPr>
-              <a:t>Johdanto</a:t>
-            </a:r>
-            <a:endParaRPr lang="fi-FI"/>
-          </a:p>
-          <a:p>
-            <a:pPr algn="just"/>
-            <a:r>
-              <a:rPr lang="fi-FI">
-                <a:latin typeface="arial narrow"/>
-                <a:cs typeface="Times New Roman"/>
-              </a:rPr>
-              <a:t>Projektissa tehtiin peli Android-käyttöjärjestelmälle, joka hyödyntää puhelimen paikkatietoa. Pelissä on määritettynä sijainteja kartalla, joissa pelaaja voi kerätä resursseja, kuten puuta, kiveä ja vettä. </a:t>
-            </a:r>
-            <a:r>
-              <a:rPr lang="fi-FI">
-                <a:cs typeface="Times New Roman"/>
-              </a:rPr>
-              <a:t>Kerätyillä resursseilla voi kehittää uusia esineitä ja työkaluja. </a:t>
-            </a:r>
-          </a:p>
-          <a:p>
-            <a:endParaRPr lang="fi-FI"/>
-          </a:p>
-          <a:p>
-            <a:pPr algn="just"/>
-            <a:r>
-              <a:rPr lang="fi-FI" b="1"/>
-              <a:t>Tavoitteet</a:t>
-            </a:r>
-            <a:r>
-              <a:rPr lang="fi-FI"/>
-              <a:t> </a:t>
-            </a:r>
-          </a:p>
-          <a:p>
-            <a:pPr algn="just"/>
-            <a:r>
-              <a:rPr lang="fi-FI"/>
-              <a:t>Android-sovellus näyttää pelaajan sijainnin kartalla, ja näyttää mitä resursseja lähettyvillä on. Pelaajan täytyi pystyä keräämään resursseja inventaarioon ja tekemään niistä esineitä. Eri tyyppisten resurssien keruu pyrittiin tekemään eletunnistuksella, esimerkiksi heilauttamalla tai sahaamalla puhelimella edestakaisin. Tavoitteena oli tehdä liiketoimintasuunnitelma, ja arvioida projektin kannattavuutta liiketoimintana</a:t>
-            </a:r>
-          </a:p>
-          <a:p>
-            <a:pPr algn="just"/>
-            <a:endParaRPr lang="fi-FI" b="1"/>
-          </a:p>
-          <a:p>
-            <a:pPr algn="just"/>
-            <a:r>
-              <a:rPr lang="fi-FI" b="1"/>
-              <a:t>Menetelmät</a:t>
-            </a:r>
-            <a:endParaRPr lang="fi-FI"/>
-          </a:p>
-          <a:p>
-            <a:pPr algn="just"/>
-            <a:r>
-              <a:rPr lang="fi-FI"/>
-              <a:t>Android-sovellus kehitettiin Android Studiolla. Palvelin toteutettiin </a:t>
-            </a:r>
-            <a:r>
-              <a:rPr lang="fi-FI" err="1"/>
-              <a:t>NodeJS:llä</a:t>
-            </a:r>
-            <a:r>
-              <a:rPr lang="fi-FI"/>
-              <a:t>, jonka tietokantana on </a:t>
-            </a:r>
-            <a:r>
-              <a:rPr lang="fi-FI" err="1"/>
-              <a:t>MongoDB</a:t>
-            </a:r>
-            <a:r>
-              <a:rPr lang="fi-FI"/>
-              <a:t>.</a:t>
-            </a:r>
+            <a:pPr fontAlgn="base"/>
+            <a:r>
+              <a:rPr lang="fi-FI" b="1" dirty="0" err="1"/>
+              <a:t>Introduction</a:t>
+            </a:r>
+            <a:r>
+              <a:rPr lang="fi-FI" dirty="0"/>
+              <a:t>​</a:t>
+            </a:r>
+          </a:p>
+          <a:p>
+            <a:r>
+              <a:rPr lang="en-US" dirty="0"/>
+              <a:t>The </a:t>
+            </a:r>
+            <a:r>
+              <a:rPr lang="en-US" dirty="0" err="1"/>
+              <a:t>BitCoin</a:t>
+            </a:r>
+            <a:r>
+              <a:rPr lang="en-US" dirty="0"/>
+              <a:t> currency was invented in 2009. </a:t>
+            </a:r>
+            <a:r>
+              <a:rPr lang="en-US" dirty="0" err="1"/>
+              <a:t>BitCoin</a:t>
+            </a:r>
+            <a:r>
+              <a:rPr lang="en-US" dirty="0"/>
+              <a:t>-transactions are saved into a decentralized data base called the block chain. Years later, a man named </a:t>
+            </a:r>
+            <a:r>
+              <a:rPr lang="en-US" dirty="0" err="1"/>
+              <a:t>Vitalik</a:t>
+            </a:r>
+            <a:r>
+              <a:rPr lang="en-US" dirty="0"/>
+              <a:t> </a:t>
+            </a:r>
+            <a:r>
+              <a:rPr lang="en-US" dirty="0" err="1"/>
+              <a:t>Buterin</a:t>
+            </a:r>
+            <a:r>
+              <a:rPr lang="en-US" dirty="0"/>
+              <a:t> invented </a:t>
+            </a:r>
+            <a:r>
+              <a:rPr lang="en-US" dirty="0" err="1"/>
+              <a:t>Ethereum</a:t>
+            </a:r>
+            <a:r>
+              <a:rPr lang="en-US" dirty="0"/>
+              <a:t>, a decentralized computing platform whose smart contracts and information transactions are saved </a:t>
+            </a:r>
+            <a:r>
+              <a:rPr lang="en-US"/>
+              <a:t>into a </a:t>
+            </a:r>
+            <a:r>
+              <a:rPr lang="en-US" dirty="0"/>
+              <a:t>block chain.</a:t>
+            </a:r>
+          </a:p>
+          <a:p>
+            <a:endParaRPr lang="en-US" dirty="0"/>
+          </a:p>
+          <a:p>
+            <a:r>
+              <a:rPr lang="en-US" dirty="0"/>
+              <a:t>This thesis was made for the </a:t>
+            </a:r>
+            <a:r>
+              <a:rPr lang="en-US" dirty="0" err="1"/>
+              <a:t>Hilla</a:t>
+            </a:r>
+            <a:r>
+              <a:rPr lang="en-US" dirty="0"/>
+              <a:t>-program – a Finnish research project for studying future technologies.</a:t>
+            </a:r>
+            <a:r>
+              <a:rPr lang="fi-FI" dirty="0"/>
+              <a:t>​</a:t>
+            </a:r>
+          </a:p>
+          <a:p>
+            <a:endParaRPr lang="fi-FI" dirty="0"/>
+          </a:p>
+          <a:p>
+            <a:pPr fontAlgn="base"/>
+            <a:r>
+              <a:rPr lang="fi-FI" b="1" dirty="0" err="1"/>
+              <a:t>Objectives</a:t>
+            </a:r>
+            <a:r>
+              <a:rPr lang="fi-FI" dirty="0"/>
+              <a:t>​</a:t>
+            </a:r>
+          </a:p>
+          <a:p>
+            <a:r>
+              <a:rPr lang="en-US" dirty="0"/>
+              <a:t>The goal of the project was to create an application that would show in a concrete way how the block chain technology could be used in the future. The first part of the application was to create a smart contract for the </a:t>
+            </a:r>
+            <a:r>
+              <a:rPr lang="en-US" dirty="0" err="1"/>
+              <a:t>Ethereum</a:t>
+            </a:r>
+            <a:r>
+              <a:rPr lang="en-US" dirty="0"/>
+              <a:t>-platform for tracking the life cycle of a classic car. The second part was to create an interface to allows users to interact with the smart contract.</a:t>
+            </a:r>
+          </a:p>
+          <a:p>
+            <a:endParaRPr lang="en-US" dirty="0"/>
+          </a:p>
+          <a:p>
+            <a:pPr fontAlgn="base"/>
+            <a:endParaRPr lang="fi-FI" dirty="0"/>
           </a:p>
         </p:txBody>
       </p:sp>
@@ -2531,54 +2589,392 @@
           <a:bodyPr lIns="122191" tIns="61096" rIns="122191" bIns="61096" anchor="t"/>
           <a:lstStyle/>
           <a:p>
+            <a:pPr fontAlgn="base"/>
+            <a:endParaRPr lang="fi-FI" dirty="0"/>
+          </a:p>
+          <a:p>
+            <a:pPr fontAlgn="base"/>
+            <a:r>
+              <a:rPr lang="fi-FI" dirty="0" err="1"/>
+              <a:t>There</a:t>
+            </a:r>
+            <a:r>
+              <a:rPr lang="fi-FI" dirty="0"/>
+              <a:t> </a:t>
+            </a:r>
+            <a:r>
+              <a:rPr lang="fi-FI" dirty="0" err="1"/>
+              <a:t>are</a:t>
+            </a:r>
+            <a:r>
+              <a:rPr lang="fi-FI" dirty="0"/>
+              <a:t> </a:t>
+            </a:r>
+            <a:r>
+              <a:rPr lang="fi-FI" dirty="0" err="1"/>
+              <a:t>professionals</a:t>
+            </a:r>
+            <a:r>
+              <a:rPr lang="fi-FI" dirty="0"/>
+              <a:t> in </a:t>
+            </a:r>
+            <a:r>
+              <a:rPr lang="fi-FI" dirty="0" err="1"/>
+              <a:t>the</a:t>
+            </a:r>
+            <a:r>
+              <a:rPr lang="fi-FI" dirty="0"/>
+              <a:t> </a:t>
+            </a:r>
+            <a:r>
+              <a:rPr lang="fi-FI" dirty="0" err="1"/>
+              <a:t>field</a:t>
+            </a:r>
+            <a:r>
+              <a:rPr lang="fi-FI" dirty="0"/>
+              <a:t> of </a:t>
+            </a:r>
+            <a:r>
+              <a:rPr lang="fi-FI" dirty="0" err="1"/>
+              <a:t>information</a:t>
+            </a:r>
+            <a:r>
+              <a:rPr lang="fi-FI" dirty="0"/>
+              <a:t> </a:t>
+            </a:r>
+            <a:r>
+              <a:rPr lang="fi-FI" dirty="0" err="1"/>
+              <a:t>technology</a:t>
+            </a:r>
+            <a:r>
+              <a:rPr lang="fi-FI" dirty="0"/>
+              <a:t> </a:t>
+            </a:r>
+            <a:r>
+              <a:rPr lang="fi-FI" dirty="0" err="1"/>
+              <a:t>who</a:t>
+            </a:r>
+            <a:r>
+              <a:rPr lang="fi-FI" dirty="0"/>
+              <a:t> </a:t>
+            </a:r>
+            <a:r>
+              <a:rPr lang="fi-FI" dirty="0" err="1"/>
+              <a:t>have</a:t>
+            </a:r>
+            <a:r>
+              <a:rPr lang="fi-FI" dirty="0"/>
+              <a:t> </a:t>
+            </a:r>
+            <a:r>
+              <a:rPr lang="fi-FI" dirty="0" err="1"/>
+              <a:t>never</a:t>
+            </a:r>
+            <a:r>
+              <a:rPr lang="fi-FI" dirty="0"/>
+              <a:t> </a:t>
+            </a:r>
+            <a:r>
+              <a:rPr lang="fi-FI" dirty="0" err="1"/>
+              <a:t>heard</a:t>
+            </a:r>
+            <a:r>
+              <a:rPr lang="fi-FI" dirty="0"/>
+              <a:t> of </a:t>
+            </a:r>
+            <a:r>
+              <a:rPr lang="fi-FI" dirty="0" err="1"/>
+              <a:t>the</a:t>
+            </a:r>
+            <a:r>
+              <a:rPr lang="fi-FI" dirty="0"/>
+              <a:t> </a:t>
+            </a:r>
+            <a:r>
+              <a:rPr lang="fi-FI" dirty="0" err="1"/>
+              <a:t>block</a:t>
+            </a:r>
+            <a:r>
+              <a:rPr lang="fi-FI" dirty="0"/>
+              <a:t> </a:t>
+            </a:r>
+            <a:r>
+              <a:rPr lang="fi-FI" dirty="0" err="1"/>
+              <a:t>chain</a:t>
+            </a:r>
+            <a:r>
+              <a:rPr lang="fi-FI" dirty="0"/>
+              <a:t> </a:t>
+            </a:r>
+            <a:r>
+              <a:rPr lang="fi-FI" dirty="0" err="1"/>
+              <a:t>technology</a:t>
+            </a:r>
+            <a:r>
+              <a:rPr lang="fi-FI" dirty="0"/>
+              <a:t> </a:t>
+            </a:r>
+            <a:r>
+              <a:rPr lang="fi-FI" dirty="0" err="1"/>
+              <a:t>before</a:t>
+            </a:r>
+            <a:r>
+              <a:rPr lang="fi-FI" dirty="0"/>
+              <a:t>. </a:t>
+            </a:r>
+            <a:r>
+              <a:rPr lang="fi-FI" dirty="0" err="1"/>
+              <a:t>Thus</a:t>
+            </a:r>
+            <a:r>
+              <a:rPr lang="fi-FI" dirty="0"/>
+              <a:t>, a </a:t>
+            </a:r>
+            <a:r>
+              <a:rPr lang="fi-FI" dirty="0" err="1"/>
+              <a:t>written</a:t>
+            </a:r>
+            <a:r>
+              <a:rPr lang="fi-FI" dirty="0"/>
+              <a:t> </a:t>
+            </a:r>
+            <a:r>
+              <a:rPr lang="fi-FI" dirty="0" err="1"/>
+              <a:t>report</a:t>
+            </a:r>
+            <a:r>
+              <a:rPr lang="fi-FI" dirty="0"/>
+              <a:t> </a:t>
+            </a:r>
+            <a:r>
+              <a:rPr lang="fi-FI" dirty="0" err="1"/>
+              <a:t>was</a:t>
+            </a:r>
+            <a:r>
+              <a:rPr lang="fi-FI" dirty="0"/>
+              <a:t> made of </a:t>
+            </a:r>
+            <a:r>
+              <a:rPr lang="fi-FI" dirty="0" err="1"/>
+              <a:t>this</a:t>
+            </a:r>
+            <a:r>
+              <a:rPr lang="fi-FI" dirty="0"/>
+              <a:t> </a:t>
+            </a:r>
+            <a:r>
+              <a:rPr lang="fi-FI" dirty="0" err="1"/>
+              <a:t>project</a:t>
+            </a:r>
+            <a:r>
+              <a:rPr lang="fi-FI" dirty="0"/>
+              <a:t>, </a:t>
+            </a:r>
+            <a:r>
+              <a:rPr lang="fi-FI" dirty="0" err="1"/>
+              <a:t>the</a:t>
+            </a:r>
+            <a:r>
+              <a:rPr lang="fi-FI" dirty="0"/>
+              <a:t> </a:t>
+            </a:r>
+            <a:r>
+              <a:rPr lang="fi-FI" dirty="0" err="1"/>
+              <a:t>technology</a:t>
+            </a:r>
+            <a:r>
+              <a:rPr lang="fi-FI" dirty="0"/>
+              <a:t>​</a:t>
+            </a:r>
+          </a:p>
+          <a:p>
+            <a:pPr fontAlgn="base"/>
+            <a:endParaRPr lang="fi-FI" b="1" dirty="0"/>
+          </a:p>
+          <a:p>
+            <a:pPr fontAlgn="base"/>
+            <a:endParaRPr lang="fi-FI" b="1" dirty="0"/>
+          </a:p>
+          <a:p>
+            <a:pPr fontAlgn="base"/>
+            <a:r>
+              <a:rPr lang="fi-FI" b="1" dirty="0" err="1"/>
+              <a:t>Methods</a:t>
+            </a:r>
+            <a:r>
+              <a:rPr lang="fi-FI" dirty="0"/>
+              <a:t>​</a:t>
+            </a:r>
+          </a:p>
+          <a:p>
+            <a:r>
+              <a:rPr lang="en-US" dirty="0"/>
+              <a:t>The smart contract was written with the Solidity-language and the interface was created with the Meteor-framework. </a:t>
+            </a:r>
+            <a:endParaRPr lang="fi-FI" dirty="0"/>
+          </a:p>
+          <a:p>
             <a:pPr algn="just"/>
-            <a:endParaRPr lang="fi-FI"/>
+            <a:endParaRPr lang="fi-FI" dirty="0"/>
           </a:p>
           <a:p>
             <a:pPr algn="just"/>
             <a:r>
-              <a:rPr lang="fi-FI"/>
-              <a:t>Tausta-ajatuksena koko kehityksen ajan, oli tehdä puhelimesta vain päätelaite, joka lähettää tapahtumia käyttäjän vuorovaikutuksista palvelimelle. Palvelin ottaa vastaan vuorovaikutukset, ja näyttää </a:t>
-            </a:r>
-            <a:r>
-              <a:rPr lang="fi-FI" err="1"/>
-              <a:t>websocket</a:t>
-            </a:r>
-            <a:r>
-              <a:rPr lang="fi-FI"/>
-              <a:t>-yhteydellä pelaajan toiminnan vaikutukset pelimaailmaan reaaliaikaisesti.</a:t>
-            </a:r>
-            <a:endParaRPr lang="fi-FI">
-              <a:solidFill>
-                <a:srgbClr val="000000"/>
-              </a:solidFill>
-            </a:endParaRPr>
+              <a:rPr lang="fi-FI" dirty="0" err="1"/>
+              <a:t>The</a:t>
+            </a:r>
+            <a:r>
+              <a:rPr lang="fi-FI" dirty="0"/>
+              <a:t> </a:t>
+            </a:r>
+            <a:r>
+              <a:rPr lang="fi-FI" dirty="0" err="1"/>
+              <a:t>Meteor</a:t>
+            </a:r>
+            <a:r>
+              <a:rPr lang="fi-FI" dirty="0"/>
+              <a:t> </a:t>
+            </a:r>
+            <a:r>
+              <a:rPr lang="fi-FI" dirty="0" err="1"/>
+              <a:t>framework</a:t>
+            </a:r>
+            <a:r>
+              <a:rPr lang="fi-FI" dirty="0"/>
+              <a:t> </a:t>
+            </a:r>
+            <a:r>
+              <a:rPr lang="fi-FI" dirty="0" err="1"/>
+              <a:t>normally</a:t>
+            </a:r>
+            <a:r>
+              <a:rPr lang="fi-FI" dirty="0"/>
+              <a:t> </a:t>
+            </a:r>
+            <a:r>
+              <a:rPr lang="fi-FI" dirty="0" err="1"/>
+              <a:t>uses</a:t>
+            </a:r>
+            <a:r>
+              <a:rPr lang="fi-FI" dirty="0"/>
+              <a:t> a </a:t>
+            </a:r>
+            <a:r>
+              <a:rPr lang="fi-FI" dirty="0" err="1"/>
+              <a:t>mongoDB</a:t>
+            </a:r>
+            <a:r>
+              <a:rPr lang="fi-FI" dirty="0"/>
+              <a:t> -data </a:t>
+            </a:r>
+            <a:r>
+              <a:rPr lang="fi-FI" dirty="0" err="1"/>
+              <a:t>base</a:t>
+            </a:r>
+            <a:r>
+              <a:rPr lang="fi-FI" dirty="0"/>
+              <a:t>, </a:t>
+            </a:r>
+            <a:r>
+              <a:rPr lang="fi-FI" dirty="0" err="1"/>
+              <a:t>but</a:t>
+            </a:r>
+            <a:r>
+              <a:rPr lang="fi-FI" dirty="0"/>
+              <a:t> it </a:t>
+            </a:r>
+            <a:r>
+              <a:rPr lang="fi-FI" dirty="0" err="1"/>
+              <a:t>can</a:t>
+            </a:r>
+            <a:r>
+              <a:rPr lang="fi-FI" dirty="0"/>
+              <a:t> </a:t>
+            </a:r>
+            <a:r>
+              <a:rPr lang="fi-FI" dirty="0" err="1"/>
+              <a:t>be</a:t>
+            </a:r>
+            <a:r>
+              <a:rPr lang="fi-FI" dirty="0"/>
+              <a:t> </a:t>
+            </a:r>
+            <a:r>
+              <a:rPr lang="fi-FI" dirty="0" err="1"/>
+              <a:t>easily</a:t>
+            </a:r>
+            <a:r>
+              <a:rPr lang="fi-FI" dirty="0"/>
+              <a:t> </a:t>
+            </a:r>
+            <a:r>
+              <a:rPr lang="fi-FI" dirty="0" err="1"/>
+              <a:t>applied</a:t>
+            </a:r>
+            <a:r>
+              <a:rPr lang="fi-FI" dirty="0"/>
+              <a:t> to </a:t>
+            </a:r>
+            <a:r>
+              <a:rPr lang="fi-FI" dirty="0" err="1"/>
+              <a:t>interact</a:t>
+            </a:r>
+            <a:r>
+              <a:rPr lang="fi-FI" dirty="0"/>
+              <a:t> </a:t>
+            </a:r>
+            <a:r>
+              <a:rPr lang="fi-FI" dirty="0" err="1"/>
+              <a:t>with</a:t>
+            </a:r>
+            <a:r>
+              <a:rPr lang="fi-FI" dirty="0"/>
+              <a:t> </a:t>
+            </a:r>
+            <a:r>
+              <a:rPr lang="fi-FI" dirty="0" err="1"/>
+              <a:t>the</a:t>
+            </a:r>
+            <a:r>
+              <a:rPr lang="fi-FI" dirty="0"/>
+              <a:t> </a:t>
+            </a:r>
+            <a:r>
+              <a:rPr lang="fi-FI" dirty="0" err="1"/>
+              <a:t>Ethereum-platform</a:t>
+            </a:r>
+            <a:r>
+              <a:rPr lang="fi-FI" dirty="0"/>
+              <a:t> </a:t>
+            </a:r>
+            <a:r>
+              <a:rPr lang="fi-FI" dirty="0" err="1"/>
+              <a:t>with</a:t>
+            </a:r>
+            <a:r>
+              <a:rPr lang="fi-FI" dirty="0"/>
+              <a:t> a </a:t>
+            </a:r>
+            <a:r>
+              <a:rPr lang="fi-FI" dirty="0" err="1"/>
+              <a:t>library</a:t>
+            </a:r>
+            <a:r>
+              <a:rPr lang="fi-FI" dirty="0"/>
+              <a:t> </a:t>
+            </a:r>
+            <a:r>
+              <a:rPr lang="fi-FI" dirty="0" err="1"/>
+              <a:t>called</a:t>
+            </a:r>
+            <a:r>
+              <a:rPr lang="fi-FI" dirty="0"/>
+              <a:t> Web3.</a:t>
+            </a:r>
           </a:p>
           <a:p>
             <a:pPr algn="just"/>
-            <a:endParaRPr lang="fi-FI"/>
-          </a:p>
-          <a:p>
-            <a:pPr algn="just"/>
-            <a:r>
-              <a:rPr lang="fi-FI"/>
-              <a:t>Palvelin laskee pelaajien etäisyyksiä, ja näyttää vain lähellä olevat resurssit, jolloin käsitellyn tiedon määrä pysyy hallittuna.</a:t>
-            </a:r>
-          </a:p>
-          <a:p>
-            <a:pPr algn="just"/>
-            <a:endParaRPr lang="fi-FI"/>
-          </a:p>
-          <a:p>
-            <a:pPr algn="just"/>
-            <a:r>
-              <a:rPr lang="fi-FI"/>
-              <a:t>Palvelimelle tehtiin editori, jonka avulla resursseja voi nopeasti asetella pelimaailmaan.</a:t>
-            </a:r>
-          </a:p>
-          <a:p>
-            <a:pPr algn="just"/>
-            <a:endParaRPr lang="fi-FI"/>
+            <a:endParaRPr lang="fi-FI" b="1" dirty="0"/>
           </a:p>
         </p:txBody>
       </p:sp>
@@ -2602,256 +2998,564 @@
           <a:bodyPr lIns="122191" tIns="61096" rIns="122191" bIns="61096" anchor="t"/>
           <a:lstStyle/>
           <a:p>
+            <a:pPr fontAlgn="base"/>
+            <a:r>
+              <a:rPr lang="fi-FI" b="1" dirty="0" err="1"/>
+              <a:t>Results</a:t>
+            </a:r>
+            <a:r>
+              <a:rPr lang="fi-FI" dirty="0"/>
+              <a:t>​</a:t>
+            </a:r>
+            <a:endParaRPr lang="en-US" dirty="0"/>
+          </a:p>
+          <a:p>
+            <a:pPr fontAlgn="base"/>
+            <a:r>
+              <a:rPr lang="fi-FI" dirty="0"/>
+              <a:t>​</a:t>
+            </a:r>
+            <a:r>
+              <a:rPr lang="en-US" dirty="0"/>
+              <a:t>Most of the planned use-cases were successfully implemented. The greatest obstacle in the project were the lacking features of the Solidity-language. The limitations will slow down developers and restrict innovations that could be developed with smart contracts. Solidity-language is, however, easy to learn. Meteor is a very useful and easy-to-use framework. It can be easily applied to interact with </a:t>
+            </a:r>
+            <a:r>
+              <a:rPr lang="en-US" dirty="0" err="1"/>
+              <a:t>Ethereum</a:t>
+            </a:r>
+            <a:r>
+              <a:rPr lang="en-US" dirty="0"/>
+              <a:t> -smart contracts.</a:t>
+            </a:r>
+            <a:endParaRPr lang="fi-FI" dirty="0"/>
+          </a:p>
+          <a:p>
+            <a:pPr fontAlgn="base"/>
+            <a:endParaRPr lang="fi-FI" dirty="0"/>
+          </a:p>
+          <a:p>
+            <a:pPr fontAlgn="base"/>
+            <a:r>
+              <a:rPr lang="fi-FI" b="1" dirty="0" err="1"/>
+              <a:t>Conclusions</a:t>
+            </a:r>
+            <a:r>
+              <a:rPr lang="fi-FI" dirty="0"/>
+              <a:t>​</a:t>
+            </a:r>
+          </a:p>
+          <a:p>
+            <a:pPr fontAlgn="base"/>
+            <a:r>
+              <a:rPr lang="fi-FI" dirty="0" err="1"/>
+              <a:t>The</a:t>
+            </a:r>
+            <a:r>
+              <a:rPr lang="fi-FI" dirty="0"/>
+              <a:t> </a:t>
+            </a:r>
+            <a:r>
+              <a:rPr lang="fi-FI" dirty="0" err="1"/>
+              <a:t>subject</a:t>
+            </a:r>
+            <a:r>
+              <a:rPr lang="fi-FI" dirty="0"/>
+              <a:t> for </a:t>
+            </a:r>
+            <a:r>
+              <a:rPr lang="fi-FI" dirty="0" err="1"/>
+              <a:t>the</a:t>
+            </a:r>
+            <a:r>
+              <a:rPr lang="fi-FI" dirty="0"/>
+              <a:t> </a:t>
+            </a:r>
+            <a:r>
+              <a:rPr lang="fi-FI" dirty="0" err="1"/>
+              <a:t>thesis</a:t>
+            </a:r>
+            <a:r>
+              <a:rPr lang="fi-FI" dirty="0"/>
+              <a:t> </a:t>
+            </a:r>
+            <a:r>
+              <a:rPr lang="fi-FI" dirty="0" err="1"/>
+              <a:t>was</a:t>
+            </a:r>
+            <a:r>
+              <a:rPr lang="fi-FI" dirty="0"/>
+              <a:t> </a:t>
+            </a:r>
+            <a:r>
+              <a:rPr lang="fi-FI" dirty="0" err="1"/>
+              <a:t>chosen</a:t>
+            </a:r>
+            <a:r>
+              <a:rPr lang="fi-FI" dirty="0"/>
+              <a:t> </a:t>
+            </a:r>
+            <a:r>
+              <a:rPr lang="fi-FI" dirty="0" err="1"/>
+              <a:t>well</a:t>
+            </a:r>
+            <a:r>
+              <a:rPr lang="fi-FI" dirty="0"/>
+              <a:t>. </a:t>
+            </a:r>
+            <a:r>
+              <a:rPr lang="fi-FI" dirty="0" err="1"/>
+              <a:t>The</a:t>
+            </a:r>
+            <a:r>
+              <a:rPr lang="fi-FI" dirty="0"/>
+              <a:t> </a:t>
+            </a:r>
+            <a:r>
+              <a:rPr lang="fi-FI" dirty="0" err="1"/>
+              <a:t>task</a:t>
+            </a:r>
+            <a:r>
+              <a:rPr lang="fi-FI" dirty="0"/>
+              <a:t> </a:t>
+            </a:r>
+            <a:r>
+              <a:rPr lang="fi-FI" dirty="0" err="1"/>
+              <a:t>was</a:t>
+            </a:r>
+            <a:r>
+              <a:rPr lang="fi-FI" dirty="0"/>
+              <a:t> </a:t>
+            </a:r>
+            <a:r>
+              <a:rPr lang="fi-FI" dirty="0" err="1"/>
+              <a:t>challenging</a:t>
+            </a:r>
+            <a:r>
+              <a:rPr lang="fi-FI" dirty="0"/>
+              <a:t> and </a:t>
+            </a:r>
+            <a:r>
+              <a:rPr lang="fi-FI" dirty="0" err="1"/>
+              <a:t>educating</a:t>
+            </a:r>
+            <a:r>
+              <a:rPr lang="fi-FI" dirty="0"/>
+              <a:t>. </a:t>
+            </a:r>
+            <a:r>
+              <a:rPr lang="fi-FI" dirty="0" err="1"/>
+              <a:t>This</a:t>
+            </a:r>
+            <a:r>
+              <a:rPr lang="fi-FI" dirty="0"/>
+              <a:t> </a:t>
+            </a:r>
+            <a:r>
+              <a:rPr lang="fi-FI" dirty="0" err="1"/>
+              <a:t>project</a:t>
+            </a:r>
+            <a:r>
+              <a:rPr lang="fi-FI" dirty="0"/>
+              <a:t> </a:t>
+            </a:r>
+            <a:r>
+              <a:rPr lang="fi-FI" dirty="0" err="1"/>
+              <a:t>was</a:t>
+            </a:r>
+            <a:r>
+              <a:rPr lang="fi-FI" dirty="0"/>
+              <a:t> an </a:t>
+            </a:r>
+            <a:r>
+              <a:rPr lang="fi-FI" dirty="0" err="1"/>
+              <a:t>interesting</a:t>
+            </a:r>
+            <a:r>
+              <a:rPr lang="fi-FI" dirty="0"/>
+              <a:t> </a:t>
+            </a:r>
+            <a:r>
+              <a:rPr lang="fi-FI" dirty="0" err="1"/>
+              <a:t>peek</a:t>
+            </a:r>
+            <a:r>
+              <a:rPr lang="fi-FI" dirty="0"/>
+              <a:t> at </a:t>
+            </a:r>
+            <a:r>
+              <a:rPr lang="fi-FI" dirty="0" err="1"/>
+              <a:t>technologies</a:t>
+            </a:r>
+            <a:r>
+              <a:rPr lang="fi-FI" dirty="0"/>
+              <a:t> </a:t>
+            </a:r>
+            <a:r>
+              <a:rPr lang="fi-FI" dirty="0" err="1"/>
+              <a:t>we</a:t>
+            </a:r>
+            <a:r>
+              <a:rPr lang="fi-FI" dirty="0"/>
+              <a:t> </a:t>
+            </a:r>
+            <a:r>
+              <a:rPr lang="fi-FI" dirty="0" err="1"/>
+              <a:t>might</a:t>
+            </a:r>
+            <a:r>
+              <a:rPr lang="fi-FI" dirty="0"/>
+              <a:t> </a:t>
+            </a:r>
+            <a:r>
+              <a:rPr lang="fi-FI" dirty="0" err="1"/>
+              <a:t>end</a:t>
+            </a:r>
+            <a:r>
+              <a:rPr lang="fi-FI" dirty="0"/>
+              <a:t> </a:t>
+            </a:r>
+            <a:r>
+              <a:rPr lang="fi-FI" dirty="0" err="1"/>
+              <a:t>up</a:t>
+            </a:r>
+            <a:r>
+              <a:rPr lang="fi-FI" dirty="0"/>
+              <a:t> </a:t>
+            </a:r>
+            <a:r>
+              <a:rPr lang="fi-FI" dirty="0" err="1"/>
+              <a:t>seeing</a:t>
+            </a:r>
+            <a:r>
+              <a:rPr lang="fi-FI" dirty="0"/>
+              <a:t> in </a:t>
+            </a:r>
+            <a:r>
+              <a:rPr lang="fi-FI" dirty="0" err="1"/>
+              <a:t>the</a:t>
+            </a:r>
+            <a:r>
+              <a:rPr lang="fi-FI" dirty="0"/>
+              <a:t> </a:t>
+            </a:r>
+            <a:r>
+              <a:rPr lang="fi-FI" dirty="0" err="1"/>
+              <a:t>future</a:t>
+            </a:r>
+            <a:r>
+              <a:rPr lang="fi-FI" dirty="0"/>
+              <a:t>.</a:t>
+            </a:r>
+          </a:p>
+          <a:p>
+            <a:pPr fontAlgn="base"/>
+            <a:endParaRPr lang="fi-FI" dirty="0"/>
+          </a:p>
+          <a:p>
+            <a:pPr fontAlgn="base"/>
+            <a:r>
+              <a:rPr lang="fi-FI" dirty="0" err="1"/>
+              <a:t>Block</a:t>
+            </a:r>
+            <a:r>
+              <a:rPr lang="fi-FI" dirty="0"/>
+              <a:t> </a:t>
+            </a:r>
+            <a:r>
+              <a:rPr lang="fi-FI" dirty="0" err="1"/>
+              <a:t>chain</a:t>
+            </a:r>
+            <a:r>
+              <a:rPr lang="fi-FI" dirty="0"/>
+              <a:t> </a:t>
+            </a:r>
+            <a:r>
+              <a:rPr lang="fi-FI" dirty="0" err="1"/>
+              <a:t>researchers</a:t>
+            </a:r>
+            <a:r>
+              <a:rPr lang="fi-FI" dirty="0"/>
+              <a:t> </a:t>
+            </a:r>
+            <a:r>
+              <a:rPr lang="fi-FI" dirty="0" err="1"/>
+              <a:t>claim</a:t>
+            </a:r>
+            <a:r>
+              <a:rPr lang="fi-FI" dirty="0"/>
+              <a:t> </a:t>
+            </a:r>
+            <a:r>
+              <a:rPr lang="fi-FI" dirty="0" err="1"/>
+              <a:t>that</a:t>
+            </a:r>
+            <a:r>
+              <a:rPr lang="fi-FI" dirty="0"/>
+              <a:t> </a:t>
+            </a:r>
+            <a:r>
+              <a:rPr lang="fi-FI" dirty="0" err="1"/>
+              <a:t>the</a:t>
+            </a:r>
+            <a:r>
+              <a:rPr lang="fi-FI" dirty="0"/>
+              <a:t> </a:t>
+            </a:r>
+            <a:r>
+              <a:rPr lang="fi-FI" dirty="0" err="1"/>
+              <a:t>block</a:t>
+            </a:r>
+            <a:r>
+              <a:rPr lang="fi-FI" dirty="0"/>
+              <a:t> </a:t>
+            </a:r>
+            <a:r>
+              <a:rPr lang="fi-FI" dirty="0" err="1"/>
+              <a:t>chain</a:t>
+            </a:r>
+            <a:r>
+              <a:rPr lang="fi-FI" dirty="0"/>
+              <a:t> </a:t>
+            </a:r>
+            <a:r>
+              <a:rPr lang="fi-FI" dirty="0" err="1"/>
+              <a:t>technology</a:t>
+            </a:r>
+            <a:r>
+              <a:rPr lang="fi-FI" dirty="0"/>
+              <a:t> </a:t>
+            </a:r>
+            <a:r>
+              <a:rPr lang="fi-FI" dirty="0" err="1"/>
+              <a:t>will</a:t>
+            </a:r>
+            <a:r>
+              <a:rPr lang="fi-FI" dirty="0"/>
+              <a:t> </a:t>
+            </a:r>
+            <a:r>
+              <a:rPr lang="fi-FI" dirty="0" err="1"/>
+              <a:t>have</a:t>
+            </a:r>
+            <a:r>
+              <a:rPr lang="fi-FI" dirty="0"/>
+              <a:t> </a:t>
+            </a:r>
+            <a:r>
+              <a:rPr lang="fi-FI" dirty="0" err="1"/>
+              <a:t>the</a:t>
+            </a:r>
+            <a:r>
+              <a:rPr lang="fi-FI" dirty="0"/>
+              <a:t> </a:t>
+            </a:r>
+            <a:r>
+              <a:rPr lang="fi-FI" dirty="0" err="1"/>
+              <a:t>same</a:t>
+            </a:r>
+            <a:r>
+              <a:rPr lang="fi-FI" dirty="0"/>
+              <a:t> </a:t>
+            </a:r>
+            <a:r>
+              <a:rPr lang="fi-FI" dirty="0" err="1"/>
+              <a:t>impact</a:t>
+            </a:r>
+            <a:r>
+              <a:rPr lang="fi-FI" dirty="0"/>
+              <a:t> on </a:t>
+            </a:r>
+            <a:r>
+              <a:rPr lang="fi-FI" dirty="0" err="1"/>
+              <a:t>the</a:t>
+            </a:r>
+            <a:r>
+              <a:rPr lang="fi-FI" dirty="0"/>
+              <a:t> </a:t>
+            </a:r>
+            <a:r>
+              <a:rPr lang="fi-FI" dirty="0" err="1"/>
+              <a:t>world</a:t>
+            </a:r>
+            <a:r>
+              <a:rPr lang="fi-FI" dirty="0"/>
+              <a:t> as </a:t>
+            </a:r>
+            <a:r>
+              <a:rPr lang="fi-FI" dirty="0" err="1"/>
+              <a:t>the</a:t>
+            </a:r>
+            <a:r>
+              <a:rPr lang="fi-FI" dirty="0"/>
+              <a:t> </a:t>
+            </a:r>
+            <a:r>
+              <a:rPr lang="fi-FI" dirty="0" err="1"/>
+              <a:t>invention</a:t>
+            </a:r>
+            <a:r>
+              <a:rPr lang="fi-FI" dirty="0"/>
+              <a:t> of </a:t>
+            </a:r>
+            <a:r>
+              <a:rPr lang="fi-FI" dirty="0" err="1"/>
+              <a:t>the</a:t>
+            </a:r>
+            <a:r>
+              <a:rPr lang="fi-FI" dirty="0"/>
+              <a:t> internet </a:t>
+            </a:r>
+            <a:r>
+              <a:rPr lang="fi-FI" dirty="0" err="1"/>
+              <a:t>did</a:t>
+            </a:r>
+            <a:r>
+              <a:rPr lang="fi-FI" dirty="0"/>
+              <a:t>. </a:t>
+            </a:r>
+            <a:r>
+              <a:rPr lang="fi-FI" dirty="0" err="1"/>
+              <a:t>The</a:t>
+            </a:r>
+            <a:r>
+              <a:rPr lang="fi-FI" dirty="0"/>
+              <a:t> </a:t>
+            </a:r>
+            <a:r>
+              <a:rPr lang="fi-FI" dirty="0" err="1"/>
+              <a:t>technology</a:t>
+            </a:r>
+            <a:r>
+              <a:rPr lang="fi-FI" dirty="0"/>
+              <a:t> </a:t>
+            </a:r>
+            <a:r>
+              <a:rPr lang="fi-FI" dirty="0" err="1"/>
+              <a:t>still</a:t>
+            </a:r>
+            <a:r>
+              <a:rPr lang="fi-FI" dirty="0"/>
+              <a:t> </a:t>
+            </a:r>
+            <a:r>
+              <a:rPr lang="fi-FI" dirty="0" err="1"/>
+              <a:t>has</a:t>
+            </a:r>
+            <a:r>
+              <a:rPr lang="fi-FI" dirty="0"/>
+              <a:t> </a:t>
+            </a:r>
+            <a:r>
+              <a:rPr lang="fi-FI" dirty="0" err="1"/>
+              <a:t>ways</a:t>
+            </a:r>
+            <a:r>
+              <a:rPr lang="fi-FI" dirty="0"/>
+              <a:t> to go </a:t>
+            </a:r>
+            <a:r>
+              <a:rPr lang="fi-FI" dirty="0" err="1"/>
+              <a:t>before</a:t>
+            </a:r>
+            <a:r>
+              <a:rPr lang="fi-FI" dirty="0"/>
+              <a:t> a </a:t>
+            </a:r>
+            <a:r>
+              <a:rPr lang="fi-FI" dirty="0" err="1"/>
+              <a:t>world-wide</a:t>
+            </a:r>
+            <a:r>
+              <a:rPr lang="fi-FI" dirty="0"/>
+              <a:t> </a:t>
+            </a:r>
+            <a:r>
+              <a:rPr lang="fi-FI" dirty="0" err="1"/>
+              <a:t>breaktrhrough</a:t>
+            </a:r>
+            <a:r>
+              <a:rPr lang="fi-FI" dirty="0"/>
+              <a:t>.</a:t>
+            </a:r>
+          </a:p>
+          <a:p>
+            <a:pPr fontAlgn="base"/>
+            <a:r>
+              <a:rPr lang="fi-FI" dirty="0"/>
+              <a:t> ​</a:t>
+            </a:r>
+          </a:p>
+          <a:p>
+            <a:pPr fontAlgn="base"/>
+            <a:r>
+              <a:rPr lang="fi-FI" b="1" dirty="0" err="1"/>
+              <a:t>References</a:t>
+            </a:r>
+            <a:r>
+              <a:rPr lang="fi-FI" dirty="0"/>
+              <a:t>​</a:t>
+            </a:r>
+          </a:p>
+          <a:p>
+            <a:pPr fontAlgn="base"/>
+            <a:r>
+              <a:rPr lang="fi-FI" u="sng" dirty="0">
+                <a:hlinkClick r:id="rId3"/>
+              </a:rPr>
+              <a:t>https://github.com/Miettine/ClassicCarChain</a:t>
+            </a:r>
+            <a:r>
+              <a:rPr lang="fi-FI" dirty="0"/>
+              <a:t>. </a:t>
+            </a:r>
+            <a:r>
+              <a:rPr lang="fi-FI" dirty="0" err="1"/>
+              <a:t>The</a:t>
+            </a:r>
+            <a:r>
+              <a:rPr lang="fi-FI" dirty="0"/>
+              <a:t> GitHub-</a:t>
+            </a:r>
+            <a:r>
+              <a:rPr lang="fi-FI" dirty="0" err="1"/>
+              <a:t>repository</a:t>
+            </a:r>
+            <a:r>
+              <a:rPr lang="fi-FI" dirty="0"/>
+              <a:t> for </a:t>
+            </a:r>
+            <a:r>
+              <a:rPr lang="fi-FI" dirty="0" err="1"/>
+              <a:t>the</a:t>
+            </a:r>
+            <a:r>
+              <a:rPr lang="fi-FI" dirty="0"/>
+              <a:t> </a:t>
+            </a:r>
+            <a:r>
+              <a:rPr lang="fi-FI" dirty="0" err="1"/>
+              <a:t>thesis</a:t>
+            </a:r>
+            <a:r>
+              <a:rPr lang="fi-FI" dirty="0"/>
+              <a:t>.</a:t>
+            </a:r>
+          </a:p>
+          <a:p>
             <a:pPr algn="just"/>
-            <a:r>
-              <a:rPr lang="fi-FI" b="1"/>
-              <a:t>Tulokset</a:t>
-            </a:r>
-            <a:endParaRPr lang="fi-FI" b="1">
-              <a:solidFill>
-                <a:srgbClr val="000000"/>
-              </a:solidFill>
-            </a:endParaRPr>
+            <a:endParaRPr lang="fi-FI" dirty="0"/>
           </a:p>
           <a:p>
             <a:pPr algn="just"/>
-            <a:r>
-              <a:rPr lang="fi-FI"/>
-              <a:t>Palvelimen ohjelmointi onnistui vaatimusmäärittelyjen mukaisesti. Pelin resursseja voidaan lisätä, muokata ja poistaa. Resursseille voi liittää kuvakkeita.</a:t>
-            </a:r>
+            <a:endParaRPr lang="fi-FI" dirty="0"/>
           </a:p>
           <a:p>
             <a:pPr algn="just"/>
-            <a:endParaRPr lang="fi-FI"/>
+            <a:endParaRPr lang="fi-FI" dirty="0"/>
           </a:p>
           <a:p>
             <a:pPr algn="just"/>
-            <a:endParaRPr lang="fi-FI"/>
-          </a:p>
-          <a:p>
-            <a:pPr algn="just"/>
-            <a:endParaRPr lang="fi-FI"/>
-          </a:p>
-          <a:p>
-            <a:pPr algn="just"/>
-            <a:endParaRPr lang="fi-FI"/>
-          </a:p>
-          <a:p>
-            <a:pPr algn="just"/>
-            <a:endParaRPr lang="fi-FI"/>
-          </a:p>
-          <a:p>
-            <a:pPr algn="just"/>
-            <a:endParaRPr lang="fi-FI"/>
-          </a:p>
-          <a:p>
-            <a:pPr algn="just"/>
-            <a:endParaRPr lang="fi-FI"/>
-          </a:p>
-          <a:p>
-            <a:pPr algn="just"/>
-            <a:endParaRPr lang="fi-FI"/>
-          </a:p>
-          <a:p>
-            <a:pPr algn="just"/>
-            <a:endParaRPr lang="fi-FI"/>
-          </a:p>
-          <a:p>
-            <a:pPr algn="just"/>
-            <a:endParaRPr lang="fi-FI"/>
-          </a:p>
-          <a:p>
-            <a:pPr algn="just"/>
-            <a:endParaRPr lang="fi-FI"/>
-          </a:p>
-          <a:p>
-            <a:pPr algn="just"/>
-            <a:endParaRPr lang="fi-FI"/>
-          </a:p>
-          <a:p>
-            <a:pPr algn="just"/>
-            <a:r>
-              <a:rPr lang="fi-FI"/>
-              <a:t>Client-sovelluksessa käytetään kiihtyvyysantureita eletunnistusten tekoon. Lyönti ja sahaus saatiin valmiiksi.</a:t>
-            </a:r>
-          </a:p>
-          <a:p>
-            <a:pPr algn="just"/>
-            <a:endParaRPr lang="FI-FI"/>
-          </a:p>
-          <a:p>
-            <a:pPr algn="just"/>
-            <a:r>
-              <a:rPr lang="fi-FI" b="1"/>
-              <a:t>Johtopäätökset</a:t>
-            </a:r>
-          </a:p>
-          <a:p>
-            <a:pPr algn="just"/>
-            <a:r>
-              <a:rPr lang="fi-FI"/>
-              <a:t>Sovelluksesta voisi saada jatkokehittämisen jälkeen kaupallisen, julkaisukelpoisen tuotteen. Projektissa tuli myös kokemusta liiketoimintasuunnitelman laatimisesta.</a:t>
-            </a:r>
-          </a:p>
-          <a:p>
-            <a:pPr algn="just"/>
-            <a:endParaRPr lang="fi-FI"/>
-          </a:p>
-          <a:p>
-            <a:pPr algn="just"/>
-            <a:r>
-              <a:rPr lang="fi-FI"/>
-              <a:t>Projektissa saatu kokemus on varmasti hyödyksi, mikäli tulevaisuudessa tulee tehtyä liiketoimintaa.</a:t>
-            </a:r>
-          </a:p>
-          <a:p>
-            <a:pPr algn="just"/>
-            <a:endParaRPr lang="fi-FI"/>
-          </a:p>
-          <a:p>
-            <a:pPr algn="just"/>
-            <a:endParaRPr lang="fi-FI"/>
-          </a:p>
-          <a:p>
-            <a:pPr algn="just"/>
-            <a:endParaRPr lang="fi-FI"/>
-          </a:p>
-          <a:p>
-            <a:pPr algn="just"/>
-            <a:endParaRPr lang="fi-FI"/>
-          </a:p>
-          <a:p>
-            <a:pPr algn="just"/>
-            <a:endParaRPr lang="fi-FI"/>
-          </a:p>
-        </p:txBody>
-      </p:sp>
-      <p:sp>
-        <p:nvSpPr>
-          <p:cNvPr id="13" name="Alatunnisteen paikkamerkki 4"/>
-          <p:cNvSpPr>
-            <a:spLocks noGrp="1"/>
-          </p:cNvSpPr>
-          <p:nvPr/>
-        </p:nvSpPr>
-        <p:spPr>
-          <a:xfrm>
-            <a:off x="6338331" y="6829752"/>
-            <a:ext cx="2438400" cy="473945"/>
-          </a:xfrm>
-          <a:prstGeom prst="rect">
-            <a:avLst/>
-          </a:prstGeom>
-        </p:spPr>
-        <p:txBody>
-          <a:bodyPr lIns="122191" tIns="0" rIns="122191" bIns="0" anchor="t"/>
-          <a:lstStyle>
-            <a:defPPr>
-              <a:defRPr lang="fi-FI"/>
-            </a:defPPr>
-            <a:lvl1pPr marL="0" algn="l" defTabSz="457200" rtl="0" eaLnBrk="1" latinLnBrk="0" hangingPunct="1">
-              <a:defRPr sz="1800" kern="1200">
-                <a:solidFill>
-                  <a:schemeClr val="tx1"/>
-                </a:solidFill>
-                <a:latin typeface="+mn-lt"/>
-                <a:ea typeface="+mn-ea"/>
-                <a:cs typeface="+mn-cs"/>
-              </a:defRPr>
-            </a:lvl1pPr>
-            <a:lvl2pPr marL="457200" algn="l" defTabSz="457200" rtl="0" eaLnBrk="1" latinLnBrk="0" hangingPunct="1">
-              <a:defRPr sz="1800" kern="1200">
-                <a:solidFill>
-                  <a:schemeClr val="tx1"/>
-                </a:solidFill>
-                <a:latin typeface="+mn-lt"/>
-                <a:ea typeface="+mn-ea"/>
-                <a:cs typeface="+mn-cs"/>
-              </a:defRPr>
-            </a:lvl2pPr>
-            <a:lvl3pPr marL="914400" algn="l" defTabSz="457200" rtl="0" eaLnBrk="1" latinLnBrk="0" hangingPunct="1">
-              <a:defRPr sz="1800" kern="1200">
-                <a:solidFill>
-                  <a:schemeClr val="tx1"/>
-                </a:solidFill>
-                <a:latin typeface="+mn-lt"/>
-                <a:ea typeface="+mn-ea"/>
-                <a:cs typeface="+mn-cs"/>
-              </a:defRPr>
-            </a:lvl3pPr>
-            <a:lvl4pPr marL="1371600" algn="l" defTabSz="457200" rtl="0" eaLnBrk="1" latinLnBrk="0" hangingPunct="1">
-              <a:defRPr sz="1800" kern="1200">
-                <a:solidFill>
-                  <a:schemeClr val="tx1"/>
-                </a:solidFill>
-                <a:latin typeface="+mn-lt"/>
-                <a:ea typeface="+mn-ea"/>
-                <a:cs typeface="+mn-cs"/>
-              </a:defRPr>
-            </a:lvl4pPr>
-            <a:lvl5pPr marL="1828800" algn="l" defTabSz="457200" rtl="0" eaLnBrk="1" latinLnBrk="0" hangingPunct="1">
-              <a:defRPr sz="1800" kern="1200">
-                <a:solidFill>
-                  <a:schemeClr val="tx1"/>
-                </a:solidFill>
-                <a:latin typeface="+mn-lt"/>
-                <a:ea typeface="+mn-ea"/>
-                <a:cs typeface="+mn-cs"/>
-              </a:defRPr>
-            </a:lvl5pPr>
-            <a:lvl6pPr marL="2286000" algn="l" defTabSz="457200" rtl="0" eaLnBrk="1" latinLnBrk="0" hangingPunct="1">
-              <a:defRPr sz="1800" kern="1200">
-                <a:solidFill>
-                  <a:schemeClr val="tx1"/>
-                </a:solidFill>
-                <a:latin typeface="+mn-lt"/>
-                <a:ea typeface="+mn-ea"/>
-                <a:cs typeface="+mn-cs"/>
-              </a:defRPr>
-            </a:lvl6pPr>
-            <a:lvl7pPr marL="2743200" algn="l" defTabSz="457200" rtl="0" eaLnBrk="1" latinLnBrk="0" hangingPunct="1">
-              <a:defRPr sz="1800" kern="1200">
-                <a:solidFill>
-                  <a:schemeClr val="tx1"/>
-                </a:solidFill>
-                <a:latin typeface="+mn-lt"/>
-                <a:ea typeface="+mn-ea"/>
-                <a:cs typeface="+mn-cs"/>
-              </a:defRPr>
-            </a:lvl7pPr>
-            <a:lvl8pPr marL="3200400" algn="l" defTabSz="457200" rtl="0" eaLnBrk="1" latinLnBrk="0" hangingPunct="1">
-              <a:defRPr sz="1800" kern="1200">
-                <a:solidFill>
-                  <a:schemeClr val="tx1"/>
-                </a:solidFill>
-                <a:latin typeface="+mn-lt"/>
-                <a:ea typeface="+mn-ea"/>
-                <a:cs typeface="+mn-cs"/>
-              </a:defRPr>
-            </a:lvl8pPr>
-            <a:lvl9pPr marL="3657600" algn="l" defTabSz="457200" rtl="0" eaLnBrk="1" latinLnBrk="0" hangingPunct="1">
-              <a:defRPr sz="1800" kern="1200">
-                <a:solidFill>
-                  <a:schemeClr val="tx1"/>
-                </a:solidFill>
-                <a:latin typeface="+mn-lt"/>
-                <a:ea typeface="+mn-ea"/>
-                <a:cs typeface="+mn-cs"/>
-              </a:defRPr>
-            </a:lvl9pPr>
-          </a:lstStyle>
-          <a:p>
-            <a:r>
-              <a:rPr lang="fi-FI" sz="1200">
-                <a:solidFill>
-                  <a:schemeClr val="tx1">
-                    <a:lumMod val="50000"/>
-                    <a:lumOff val="50000"/>
-                  </a:schemeClr>
-                </a:solidFill>
-              </a:rPr>
-              <a:t>Kuva 2. Palvelineditori</a:t>
-            </a:r>
+            <a:endParaRPr lang="fi-FI" dirty="0"/>
           </a:p>
         </p:txBody>
       </p:sp>
@@ -2984,54 +3688,6 @@
           </a:p>
         </p:txBody>
       </p:sp>
-      <p:pic>
-        <p:nvPicPr>
-          <p:cNvPr id="2" name="Kuva 2" descr="Capture.PNG"/>
-          <p:cNvPicPr>
-            <a:picLocks noChangeAspect="1"/>
-          </p:cNvPicPr>
-          <p:nvPr/>
-        </p:nvPicPr>
-        <p:blipFill>
-          <a:blip r:embed="rId3"/>
-          <a:stretch>
-            <a:fillRect/>
-          </a:stretch>
-        </p:blipFill>
-        <p:spPr>
-          <a:xfrm>
-            <a:off x="3716670" y="7634323"/>
-            <a:ext cx="2182278" cy="3873261"/>
-          </a:xfrm>
-          <a:prstGeom prst="rect">
-            <a:avLst/>
-          </a:prstGeom>
-        </p:spPr>
-      </p:pic>
-      <p:pic>
-        <p:nvPicPr>
-          <p:cNvPr id="3" name="Kuva 2"/>
-          <p:cNvPicPr>
-            <a:picLocks noChangeAspect="1"/>
-          </p:cNvPicPr>
-          <p:nvPr/>
-        </p:nvPicPr>
-        <p:blipFill>
-          <a:blip r:embed="rId4"/>
-          <a:stretch>
-            <a:fillRect/>
-          </a:stretch>
-        </p:blipFill>
-        <p:spPr>
-          <a:xfrm>
-            <a:off x="6552885" y="4695825"/>
-            <a:ext cx="2209887" cy="1941117"/>
-          </a:xfrm>
-          <a:prstGeom prst="rect">
-            <a:avLst/>
-          </a:prstGeom>
-        </p:spPr>
-      </p:pic>
     </p:spTree>
   </p:cSld>
   <p:clrMapOvr>

--- a/Dokumentaatio/miettinen-lauri-thesis-poster.pptx
+++ b/Dokumentaatio/miettinen-lauri-thesis-poster.pptx
@@ -2438,7 +2438,7 @@
         <p:spPr>
           <a:xfrm>
             <a:off x="451352" y="2735386"/>
-            <a:ext cx="2813821" cy="8646796"/>
+            <a:ext cx="2813821" cy="8181690"/>
           </a:xfrm>
         </p:spPr>
         <p:txBody>
@@ -2500,15 +2500,7 @@
             </a:r>
             <a:r>
               <a:rPr lang="en-US" dirty="0"/>
-              <a:t>, a decentralized computing platform whose smart contracts and information transactions are saved </a:t>
-            </a:r>
-            <a:r>
-              <a:rPr lang="en-US"/>
-              <a:t>into a </a:t>
-            </a:r>
-            <a:r>
-              <a:rPr lang="en-US" dirty="0"/>
-              <a:t>block chain.</a:t>
+              <a:t>, a decentralized computing platform whose smart contracts and information transactions are saved into a block chain.</a:t>
             </a:r>
           </a:p>
           <a:p>
@@ -2525,12 +2517,17 @@
             </a:r>
             <a:r>
               <a:rPr lang="en-US" dirty="0"/>
-              <a:t>-program – a Finnish research project for studying future technologies.</a:t>
+              <a:t>-program – a Finnish research project for studying future technologies. </a:t>
             </a:r>
             <a:r>
               <a:rPr lang="fi-FI" dirty="0"/>
               <a:t>​</a:t>
             </a:r>
+            <a:r>
+              <a:rPr lang="en-US" dirty="0"/>
+              <a:t>The goal of the project was to create an application that would show in a concrete way how the block chain technology could be used in the future</a:t>
+            </a:r>
+            <a:endParaRPr lang="fi-FI" dirty="0"/>
           </a:p>
           <a:p>
             <a:endParaRPr lang="fi-FI" dirty="0"/>
@@ -2548,17 +2545,304 @@
           </a:p>
           <a:p>
             <a:r>
-              <a:rPr lang="en-US" dirty="0"/>
-              <a:t>The goal of the project was to create an application that would show in a concrete way how the block chain technology could be used in the future. The first part of the application was to create a smart contract for the </a:t>
-            </a:r>
-            <a:r>
-              <a:rPr lang="en-US" dirty="0" err="1"/>
-              <a:t>Ethereum</a:t>
-            </a:r>
-            <a:r>
-              <a:rPr lang="en-US" dirty="0"/>
-              <a:t>-platform for tracking the life cycle of a classic car. The second part was to create an interface to allows users to interact with the smart contract.</a:t>
-            </a:r>
+              <a:rPr lang="fi-FI" dirty="0" err="1"/>
+              <a:t>The</a:t>
+            </a:r>
+            <a:r>
+              <a:rPr lang="fi-FI" dirty="0"/>
+              <a:t> idea for </a:t>
+            </a:r>
+            <a:r>
+              <a:rPr lang="fi-FI" dirty="0" err="1"/>
+              <a:t>the</a:t>
+            </a:r>
+            <a:r>
+              <a:rPr lang="fi-FI" dirty="0"/>
+              <a:t> </a:t>
+            </a:r>
+            <a:r>
+              <a:rPr lang="fi-FI" dirty="0" err="1"/>
+              <a:t>application</a:t>
+            </a:r>
+            <a:r>
+              <a:rPr lang="fi-FI" dirty="0"/>
+              <a:t> </a:t>
+            </a:r>
+            <a:r>
+              <a:rPr lang="fi-FI" dirty="0" err="1"/>
+              <a:t>was</a:t>
+            </a:r>
+            <a:r>
+              <a:rPr lang="fi-FI" dirty="0"/>
+              <a:t> to </a:t>
+            </a:r>
+            <a:r>
+              <a:rPr lang="fi-FI" dirty="0" err="1"/>
+              <a:t>create</a:t>
+            </a:r>
+            <a:r>
+              <a:rPr lang="fi-FI" dirty="0"/>
+              <a:t> a </a:t>
+            </a:r>
+            <a:r>
+              <a:rPr lang="fi-FI" dirty="0" err="1"/>
+              <a:t>smart</a:t>
+            </a:r>
+            <a:r>
+              <a:rPr lang="fi-FI" dirty="0"/>
+              <a:t> </a:t>
+            </a:r>
+            <a:r>
+              <a:rPr lang="fi-FI" dirty="0" err="1"/>
+              <a:t>contract</a:t>
+            </a:r>
+            <a:r>
+              <a:rPr lang="fi-FI" dirty="0"/>
+              <a:t> </a:t>
+            </a:r>
+            <a:r>
+              <a:rPr lang="fi-FI" dirty="0" err="1"/>
+              <a:t>that</a:t>
+            </a:r>
+            <a:r>
+              <a:rPr lang="fi-FI" dirty="0"/>
+              <a:t> </a:t>
+            </a:r>
+            <a:r>
+              <a:rPr lang="fi-FI" dirty="0" err="1"/>
+              <a:t>could</a:t>
+            </a:r>
+            <a:r>
+              <a:rPr lang="fi-FI" dirty="0"/>
+              <a:t> </a:t>
+            </a:r>
+            <a:r>
+              <a:rPr lang="fi-FI" dirty="0" err="1"/>
+              <a:t>be</a:t>
+            </a:r>
+            <a:r>
+              <a:rPr lang="fi-FI" dirty="0"/>
+              <a:t> </a:t>
+            </a:r>
+            <a:r>
+              <a:rPr lang="fi-FI" dirty="0" err="1"/>
+              <a:t>used</a:t>
+            </a:r>
+            <a:r>
+              <a:rPr lang="fi-FI" dirty="0"/>
+              <a:t> to </a:t>
+            </a:r>
+            <a:r>
+              <a:rPr lang="fi-FI" dirty="0" err="1"/>
+              <a:t>track</a:t>
+            </a:r>
+            <a:r>
+              <a:rPr lang="fi-FI" dirty="0"/>
+              <a:t> </a:t>
+            </a:r>
+            <a:r>
+              <a:rPr lang="fi-FI" dirty="0" err="1"/>
+              <a:t>the</a:t>
+            </a:r>
+            <a:r>
+              <a:rPr lang="fi-FI" dirty="0"/>
+              <a:t> life </a:t>
+            </a:r>
+            <a:r>
+              <a:rPr lang="fi-FI" dirty="0" err="1"/>
+              <a:t>cycle</a:t>
+            </a:r>
+            <a:r>
+              <a:rPr lang="fi-FI" dirty="0"/>
+              <a:t> of a classic </a:t>
+            </a:r>
+            <a:r>
+              <a:rPr lang="fi-FI" dirty="0" err="1"/>
+              <a:t>car</a:t>
+            </a:r>
+            <a:r>
+              <a:rPr lang="fi-FI" dirty="0"/>
+              <a:t>. Classic </a:t>
+            </a:r>
+            <a:r>
+              <a:rPr lang="fi-FI" dirty="0" err="1"/>
+              <a:t>cars</a:t>
+            </a:r>
+            <a:r>
+              <a:rPr lang="fi-FI" dirty="0"/>
+              <a:t> </a:t>
+            </a:r>
+            <a:r>
+              <a:rPr lang="fi-FI" dirty="0" err="1"/>
+              <a:t>are</a:t>
+            </a:r>
+            <a:r>
+              <a:rPr lang="fi-FI" dirty="0"/>
+              <a:t> </a:t>
+            </a:r>
+            <a:r>
+              <a:rPr lang="fi-FI" dirty="0" err="1"/>
+              <a:t>valuable</a:t>
+            </a:r>
+            <a:r>
+              <a:rPr lang="fi-FI" dirty="0"/>
+              <a:t>, and </a:t>
+            </a:r>
+            <a:r>
+              <a:rPr lang="fi-FI" dirty="0" err="1"/>
+              <a:t>the</a:t>
+            </a:r>
+            <a:r>
+              <a:rPr lang="fi-FI" dirty="0"/>
+              <a:t> </a:t>
+            </a:r>
+            <a:r>
+              <a:rPr lang="fi-FI" dirty="0" err="1"/>
+              <a:t>subject</a:t>
+            </a:r>
+            <a:r>
+              <a:rPr lang="fi-FI" dirty="0"/>
+              <a:t> is </a:t>
+            </a:r>
+            <a:r>
+              <a:rPr lang="fi-FI" dirty="0" err="1"/>
+              <a:t>also</a:t>
+            </a:r>
+            <a:r>
+              <a:rPr lang="fi-FI" dirty="0"/>
+              <a:t> </a:t>
+            </a:r>
+            <a:r>
+              <a:rPr lang="fi-FI" dirty="0" err="1"/>
+              <a:t>closely</a:t>
+            </a:r>
+            <a:r>
+              <a:rPr lang="fi-FI" dirty="0"/>
+              <a:t> </a:t>
+            </a:r>
+            <a:r>
+              <a:rPr lang="fi-FI" dirty="0" err="1"/>
+              <a:t>related</a:t>
+            </a:r>
+            <a:r>
+              <a:rPr lang="fi-FI" dirty="0"/>
+              <a:t> to </a:t>
+            </a:r>
+            <a:r>
+              <a:rPr lang="fi-FI" dirty="0" err="1"/>
+              <a:t>trafficking</a:t>
+            </a:r>
+            <a:r>
+              <a:rPr lang="fi-FI" dirty="0"/>
+              <a:t>. </a:t>
+            </a:r>
+            <a:r>
+              <a:rPr lang="fi-FI" dirty="0" err="1"/>
+              <a:t>Both</a:t>
+            </a:r>
+            <a:r>
+              <a:rPr lang="fi-FI" dirty="0"/>
+              <a:t> of </a:t>
+            </a:r>
+            <a:r>
+              <a:rPr lang="fi-FI" dirty="0" err="1"/>
+              <a:t>these</a:t>
+            </a:r>
+            <a:r>
+              <a:rPr lang="fi-FI" dirty="0"/>
+              <a:t> </a:t>
+            </a:r>
+            <a:r>
+              <a:rPr lang="fi-FI" dirty="0" err="1"/>
+              <a:t>properties</a:t>
+            </a:r>
+            <a:r>
+              <a:rPr lang="fi-FI" dirty="0"/>
+              <a:t> </a:t>
+            </a:r>
+            <a:r>
+              <a:rPr lang="fi-FI" dirty="0" err="1"/>
+              <a:t>together</a:t>
+            </a:r>
+            <a:r>
+              <a:rPr lang="fi-FI" dirty="0"/>
+              <a:t> </a:t>
+            </a:r>
+            <a:r>
+              <a:rPr lang="fi-FI" dirty="0" err="1"/>
+              <a:t>make</a:t>
+            </a:r>
+            <a:r>
+              <a:rPr lang="fi-FI" dirty="0"/>
+              <a:t> </a:t>
+            </a:r>
+            <a:r>
+              <a:rPr lang="fi-FI" dirty="0" err="1"/>
+              <a:t>this</a:t>
+            </a:r>
+            <a:r>
+              <a:rPr lang="fi-FI" dirty="0"/>
+              <a:t> </a:t>
+            </a:r>
+            <a:r>
+              <a:rPr lang="fi-FI" dirty="0" err="1"/>
+              <a:t>subject</a:t>
+            </a:r>
+            <a:r>
+              <a:rPr lang="fi-FI" dirty="0"/>
+              <a:t> a </a:t>
+            </a:r>
+            <a:r>
+              <a:rPr lang="fi-FI" dirty="0" err="1"/>
+              <a:t>good</a:t>
+            </a:r>
+            <a:r>
+              <a:rPr lang="fi-FI" dirty="0"/>
+              <a:t> </a:t>
+            </a:r>
+            <a:r>
+              <a:rPr lang="fi-FI" dirty="0" err="1"/>
+              <a:t>demonstration</a:t>
+            </a:r>
+            <a:r>
+              <a:rPr lang="fi-FI" dirty="0"/>
+              <a:t> case for </a:t>
+            </a:r>
+            <a:r>
+              <a:rPr lang="fi-FI" dirty="0" err="1"/>
+              <a:t>the</a:t>
+            </a:r>
+            <a:r>
+              <a:rPr lang="fi-FI" dirty="0"/>
+              <a:t> </a:t>
+            </a:r>
+            <a:r>
+              <a:rPr lang="fi-FI" dirty="0" err="1"/>
+              <a:t>block</a:t>
+            </a:r>
+            <a:r>
+              <a:rPr lang="fi-FI" dirty="0"/>
+              <a:t> </a:t>
+            </a:r>
+            <a:r>
+              <a:rPr lang="fi-FI" dirty="0" err="1"/>
+              <a:t>chain</a:t>
+            </a:r>
+            <a:r>
+              <a:rPr lang="fi-FI" dirty="0"/>
+              <a:t> </a:t>
+            </a:r>
+            <a:r>
+              <a:rPr lang="fi-FI" dirty="0" err="1"/>
+              <a:t>technology</a:t>
+            </a:r>
+            <a:r>
+              <a:rPr lang="fi-FI" dirty="0"/>
+              <a:t>. </a:t>
+            </a:r>
+          </a:p>
+          <a:p>
+            <a:endParaRPr lang="fi-FI" dirty="0"/>
           </a:p>
           <a:p>
             <a:endParaRPr lang="en-US" dirty="0"/>
@@ -2581,8 +2865,8 @@
         </p:nvSpPr>
         <p:spPr>
           <a:xfrm>
-            <a:off x="3394842" y="2735385"/>
-            <a:ext cx="2813821" cy="9784717"/>
+            <a:off x="3394842" y="4744528"/>
+            <a:ext cx="2813821" cy="7775574"/>
           </a:xfrm>
         </p:spPr>
         <p:txBody>
@@ -2590,213 +2874,6 @@
           <a:lstStyle/>
           <a:p>
             <a:pPr fontAlgn="base"/>
-            <a:endParaRPr lang="fi-FI" dirty="0"/>
-          </a:p>
-          <a:p>
-            <a:pPr fontAlgn="base"/>
-            <a:r>
-              <a:rPr lang="fi-FI" dirty="0" err="1"/>
-              <a:t>There</a:t>
-            </a:r>
-            <a:r>
-              <a:rPr lang="fi-FI" dirty="0"/>
-              <a:t> </a:t>
-            </a:r>
-            <a:r>
-              <a:rPr lang="fi-FI" dirty="0" err="1"/>
-              <a:t>are</a:t>
-            </a:r>
-            <a:r>
-              <a:rPr lang="fi-FI" dirty="0"/>
-              <a:t> </a:t>
-            </a:r>
-            <a:r>
-              <a:rPr lang="fi-FI" dirty="0" err="1"/>
-              <a:t>professionals</a:t>
-            </a:r>
-            <a:r>
-              <a:rPr lang="fi-FI" dirty="0"/>
-              <a:t> in </a:t>
-            </a:r>
-            <a:r>
-              <a:rPr lang="fi-FI" dirty="0" err="1"/>
-              <a:t>the</a:t>
-            </a:r>
-            <a:r>
-              <a:rPr lang="fi-FI" dirty="0"/>
-              <a:t> </a:t>
-            </a:r>
-            <a:r>
-              <a:rPr lang="fi-FI" dirty="0" err="1"/>
-              <a:t>field</a:t>
-            </a:r>
-            <a:r>
-              <a:rPr lang="fi-FI" dirty="0"/>
-              <a:t> of </a:t>
-            </a:r>
-            <a:r>
-              <a:rPr lang="fi-FI" dirty="0" err="1"/>
-              <a:t>information</a:t>
-            </a:r>
-            <a:r>
-              <a:rPr lang="fi-FI" dirty="0"/>
-              <a:t> </a:t>
-            </a:r>
-            <a:r>
-              <a:rPr lang="fi-FI" dirty="0" err="1"/>
-              <a:t>technology</a:t>
-            </a:r>
-            <a:r>
-              <a:rPr lang="fi-FI" dirty="0"/>
-              <a:t> </a:t>
-            </a:r>
-            <a:r>
-              <a:rPr lang="fi-FI" dirty="0" err="1"/>
-              <a:t>who</a:t>
-            </a:r>
-            <a:r>
-              <a:rPr lang="fi-FI" dirty="0"/>
-              <a:t> </a:t>
-            </a:r>
-            <a:r>
-              <a:rPr lang="fi-FI" dirty="0" err="1"/>
-              <a:t>have</a:t>
-            </a:r>
-            <a:r>
-              <a:rPr lang="fi-FI" dirty="0"/>
-              <a:t> </a:t>
-            </a:r>
-            <a:r>
-              <a:rPr lang="fi-FI" dirty="0" err="1"/>
-              <a:t>never</a:t>
-            </a:r>
-            <a:r>
-              <a:rPr lang="fi-FI" dirty="0"/>
-              <a:t> </a:t>
-            </a:r>
-            <a:r>
-              <a:rPr lang="fi-FI" dirty="0" err="1"/>
-              <a:t>heard</a:t>
-            </a:r>
-            <a:r>
-              <a:rPr lang="fi-FI" dirty="0"/>
-              <a:t> of </a:t>
-            </a:r>
-            <a:r>
-              <a:rPr lang="fi-FI" dirty="0" err="1"/>
-              <a:t>the</a:t>
-            </a:r>
-            <a:r>
-              <a:rPr lang="fi-FI" dirty="0"/>
-              <a:t> </a:t>
-            </a:r>
-            <a:r>
-              <a:rPr lang="fi-FI" dirty="0" err="1"/>
-              <a:t>block</a:t>
-            </a:r>
-            <a:r>
-              <a:rPr lang="fi-FI" dirty="0"/>
-              <a:t> </a:t>
-            </a:r>
-            <a:r>
-              <a:rPr lang="fi-FI" dirty="0" err="1"/>
-              <a:t>chain</a:t>
-            </a:r>
-            <a:r>
-              <a:rPr lang="fi-FI" dirty="0"/>
-              <a:t> </a:t>
-            </a:r>
-            <a:r>
-              <a:rPr lang="fi-FI" dirty="0" err="1"/>
-              <a:t>technology</a:t>
-            </a:r>
-            <a:r>
-              <a:rPr lang="fi-FI" dirty="0"/>
-              <a:t> </a:t>
-            </a:r>
-            <a:r>
-              <a:rPr lang="fi-FI" dirty="0" err="1"/>
-              <a:t>before</a:t>
-            </a:r>
-            <a:r>
-              <a:rPr lang="fi-FI" dirty="0"/>
-              <a:t>. </a:t>
-            </a:r>
-            <a:r>
-              <a:rPr lang="fi-FI" dirty="0" err="1"/>
-              <a:t>Thus</a:t>
-            </a:r>
-            <a:r>
-              <a:rPr lang="fi-FI" dirty="0"/>
-              <a:t>, a </a:t>
-            </a:r>
-            <a:r>
-              <a:rPr lang="fi-FI" dirty="0" err="1"/>
-              <a:t>written</a:t>
-            </a:r>
-            <a:r>
-              <a:rPr lang="fi-FI" dirty="0"/>
-              <a:t> </a:t>
-            </a:r>
-            <a:r>
-              <a:rPr lang="fi-FI" dirty="0" err="1"/>
-              <a:t>report</a:t>
-            </a:r>
-            <a:r>
-              <a:rPr lang="fi-FI" dirty="0"/>
-              <a:t> </a:t>
-            </a:r>
-            <a:r>
-              <a:rPr lang="fi-FI" dirty="0" err="1"/>
-              <a:t>was</a:t>
-            </a:r>
-            <a:r>
-              <a:rPr lang="fi-FI" dirty="0"/>
-              <a:t> made of </a:t>
-            </a:r>
-            <a:r>
-              <a:rPr lang="fi-FI" dirty="0" err="1"/>
-              <a:t>this</a:t>
-            </a:r>
-            <a:r>
-              <a:rPr lang="fi-FI" dirty="0"/>
-              <a:t> </a:t>
-            </a:r>
-            <a:r>
-              <a:rPr lang="fi-FI" dirty="0" err="1"/>
-              <a:t>project</a:t>
-            </a:r>
-            <a:r>
-              <a:rPr lang="fi-FI" dirty="0"/>
-              <a:t>, </a:t>
-            </a:r>
-            <a:r>
-              <a:rPr lang="fi-FI" dirty="0" err="1"/>
-              <a:t>the</a:t>
-            </a:r>
-            <a:r>
-              <a:rPr lang="fi-FI" dirty="0"/>
-              <a:t> </a:t>
-            </a:r>
-            <a:r>
-              <a:rPr lang="fi-FI" dirty="0" err="1"/>
-              <a:t>technology</a:t>
-            </a:r>
-            <a:r>
-              <a:rPr lang="fi-FI" dirty="0"/>
-              <a:t>​</a:t>
-            </a:r>
-          </a:p>
-          <a:p>
-            <a:pPr fontAlgn="base"/>
-            <a:endParaRPr lang="fi-FI" b="1" dirty="0"/>
-          </a:p>
-          <a:p>
-            <a:pPr fontAlgn="base"/>
-            <a:endParaRPr lang="fi-FI" b="1" dirty="0"/>
-          </a:p>
-          <a:p>
-            <a:pPr fontAlgn="base"/>
             <a:r>
               <a:rPr lang="fi-FI" b="1" dirty="0" err="1"/>
               <a:t>Methods</a:t>
@@ -2811,6 +2888,55 @@
               <a:rPr lang="en-US" dirty="0"/>
               <a:t>The smart contract was written with the Solidity-language and the interface was created with the Meteor-framework. </a:t>
             </a:r>
+          </a:p>
+          <a:p>
+            <a:endParaRPr lang="en-US" dirty="0"/>
+          </a:p>
+          <a:p>
+            <a:r>
+              <a:rPr lang="en-US" dirty="0"/>
+              <a:t>During development, a software called </a:t>
+            </a:r>
+            <a:r>
+              <a:rPr lang="en-US" dirty="0" err="1"/>
+              <a:t>TestRPC</a:t>
+            </a:r>
+            <a:r>
+              <a:rPr lang="en-US" dirty="0"/>
+              <a:t> was used to test and develop the smart contract. </a:t>
+            </a:r>
+            <a:r>
+              <a:rPr lang="en-US" dirty="0" err="1"/>
+              <a:t>TestRPC</a:t>
+            </a:r>
+            <a:r>
+              <a:rPr lang="en-US" dirty="0"/>
+              <a:t> is a NodeJS application that mimics the functionality of the </a:t>
+            </a:r>
+            <a:r>
+              <a:rPr lang="en-US" dirty="0" err="1"/>
+              <a:t>Ethereum</a:t>
+            </a:r>
+            <a:r>
+              <a:rPr lang="en-US" dirty="0"/>
+              <a:t> platform closely. (</a:t>
+            </a:r>
+            <a:r>
+              <a:rPr lang="en-US" dirty="0" err="1"/>
+              <a:t>TestRPC’s</a:t>
+            </a:r>
+            <a:r>
+              <a:rPr lang="en-US" dirty="0"/>
+              <a:t> name was changed to </a:t>
+            </a:r>
+            <a:r>
+              <a:rPr lang="en-US" dirty="0" err="1"/>
+              <a:t>GanacheCLI</a:t>
+            </a:r>
+            <a:r>
+              <a:rPr lang="en-US" dirty="0"/>
+              <a:t> in Oct. 2017.)</a:t>
+            </a:r>
             <a:endParaRPr lang="fi-FI" dirty="0"/>
           </a:p>
           <a:p>
@@ -2861,7 +2987,7 @@
             </a:r>
             <a:r>
               <a:rPr lang="fi-FI" dirty="0" err="1"/>
-              <a:t>mongoDB</a:t>
+              <a:t>MongoDB</a:t>
             </a:r>
             <a:r>
               <a:rPr lang="fi-FI" dirty="0"/>
@@ -2970,6 +3096,33 @@
             <a:r>
               <a:rPr lang="fi-FI" dirty="0"/>
               <a:t> Web3.</a:t>
+            </a:r>
+          </a:p>
+          <a:p>
+            <a:pPr algn="just"/>
+            <a:endParaRPr lang="fi-FI" dirty="0"/>
+          </a:p>
+          <a:p>
+            <a:pPr fontAlgn="base"/>
+            <a:r>
+              <a:rPr lang="fi-FI" b="1" dirty="0" err="1"/>
+              <a:t>Results</a:t>
+            </a:r>
+            <a:r>
+              <a:rPr lang="fi-FI" dirty="0"/>
+              <a:t>​</a:t>
+            </a:r>
+            <a:endParaRPr lang="en-US" dirty="0"/>
+          </a:p>
+          <a:p>
+            <a:pPr fontAlgn="base"/>
+            <a:r>
+              <a:rPr lang="fi-FI" dirty="0"/>
+              <a:t>​</a:t>
+            </a:r>
+            <a:r>
+              <a:rPr lang="en-US" dirty="0"/>
+              <a:t>Most of the planned use-cases were successfully implemented. The greatest obstacle in the project were the lacking features of the Solidity-language. Solidity-language is, however, easy to learn. Meteor is a very useful framework.</a:t>
             </a:r>
           </a:p>
           <a:p>
@@ -2990,8 +3143,8 @@
         </p:nvSpPr>
         <p:spPr>
           <a:xfrm>
-            <a:off x="6338332" y="2735387"/>
-            <a:ext cx="2813821" cy="9784716"/>
+            <a:off x="6338332" y="4744528"/>
+            <a:ext cx="2813821" cy="7775573"/>
           </a:xfrm>
         </p:spPr>
         <p:txBody>
@@ -2999,35 +3152,229 @@
           <a:lstStyle/>
           <a:p>
             <a:pPr fontAlgn="base"/>
+            <a:endParaRPr lang="fi-FI" dirty="0"/>
+          </a:p>
+          <a:p>
+            <a:pPr fontAlgn="base"/>
             <a:r>
               <a:rPr lang="fi-FI" b="1" dirty="0" err="1"/>
-              <a:t>Results</a:t>
+              <a:t>Conclusions</a:t>
             </a:r>
             <a:r>
               <a:rPr lang="fi-FI" dirty="0"/>
               <a:t>​</a:t>
             </a:r>
-            <a:endParaRPr lang="en-US" dirty="0"/>
           </a:p>
           <a:p>
             <a:pPr fontAlgn="base"/>
             <a:r>
-              <a:rPr lang="fi-FI" dirty="0"/>
-              <a:t>​</a:t>
-            </a:r>
-            <a:r>
-              <a:rPr lang="en-US" dirty="0"/>
-              <a:t>Most of the planned use-cases were successfully implemented. The greatest obstacle in the project were the lacking features of the Solidity-language. The limitations will slow down developers and restrict innovations that could be developed with smart contracts. Solidity-language is, however, easy to learn. Meteor is a very useful and easy-to-use framework. It can be easily applied to interact with </a:t>
-            </a:r>
-            <a:r>
-              <a:rPr lang="en-US" dirty="0" err="1"/>
-              <a:t>Ethereum</a:t>
-            </a:r>
-            <a:r>
-              <a:rPr lang="en-US" dirty="0"/>
-              <a:t> -smart contracts.</a:t>
-            </a:r>
-            <a:endParaRPr lang="fi-FI" dirty="0"/>
+              <a:rPr lang="fi-FI" dirty="0" err="1"/>
+              <a:t>The</a:t>
+            </a:r>
+            <a:r>
+              <a:rPr lang="fi-FI" dirty="0"/>
+              <a:t> </a:t>
+            </a:r>
+            <a:r>
+              <a:rPr lang="fi-FI" dirty="0" err="1"/>
+              <a:t>subject</a:t>
+            </a:r>
+            <a:r>
+              <a:rPr lang="fi-FI" dirty="0"/>
+              <a:t> for </a:t>
+            </a:r>
+            <a:r>
+              <a:rPr lang="fi-FI" dirty="0" err="1"/>
+              <a:t>the</a:t>
+            </a:r>
+            <a:r>
+              <a:rPr lang="fi-FI" dirty="0"/>
+              <a:t> </a:t>
+            </a:r>
+            <a:r>
+              <a:rPr lang="fi-FI" dirty="0" err="1"/>
+              <a:t>thesis</a:t>
+            </a:r>
+            <a:r>
+              <a:rPr lang="fi-FI" dirty="0"/>
+              <a:t> </a:t>
+            </a:r>
+            <a:r>
+              <a:rPr lang="fi-FI" dirty="0" err="1"/>
+              <a:t>was</a:t>
+            </a:r>
+            <a:r>
+              <a:rPr lang="fi-FI" dirty="0"/>
+              <a:t> </a:t>
+            </a:r>
+            <a:r>
+              <a:rPr lang="fi-FI" dirty="0" err="1"/>
+              <a:t>chosen</a:t>
+            </a:r>
+            <a:r>
+              <a:rPr lang="fi-FI" dirty="0"/>
+              <a:t> </a:t>
+            </a:r>
+            <a:r>
+              <a:rPr lang="fi-FI" dirty="0" err="1"/>
+              <a:t>well</a:t>
+            </a:r>
+            <a:r>
+              <a:rPr lang="fi-FI" dirty="0"/>
+              <a:t>. </a:t>
+            </a:r>
+            <a:r>
+              <a:rPr lang="fi-FI" dirty="0" err="1"/>
+              <a:t>The</a:t>
+            </a:r>
+            <a:r>
+              <a:rPr lang="fi-FI" dirty="0"/>
+              <a:t> </a:t>
+            </a:r>
+            <a:r>
+              <a:rPr lang="fi-FI" dirty="0" err="1"/>
+              <a:t>task</a:t>
+            </a:r>
+            <a:r>
+              <a:rPr lang="fi-FI" dirty="0"/>
+              <a:t> </a:t>
+            </a:r>
+            <a:r>
+              <a:rPr lang="fi-FI" dirty="0" err="1"/>
+              <a:t>was</a:t>
+            </a:r>
+            <a:r>
+              <a:rPr lang="fi-FI" dirty="0"/>
+              <a:t> </a:t>
+            </a:r>
+            <a:r>
+              <a:rPr lang="fi-FI" dirty="0" err="1"/>
+              <a:t>challenging</a:t>
+            </a:r>
+            <a:r>
+              <a:rPr lang="fi-FI" dirty="0"/>
+              <a:t> and </a:t>
+            </a:r>
+            <a:r>
+              <a:rPr lang="fi-FI" dirty="0" err="1"/>
+              <a:t>educating</a:t>
+            </a:r>
+            <a:r>
+              <a:rPr lang="fi-FI" dirty="0"/>
+              <a:t>. </a:t>
+            </a:r>
+            <a:r>
+              <a:rPr lang="fi-FI" dirty="0" err="1"/>
+              <a:t>This</a:t>
+            </a:r>
+            <a:r>
+              <a:rPr lang="fi-FI" dirty="0"/>
+              <a:t> </a:t>
+            </a:r>
+            <a:r>
+              <a:rPr lang="fi-FI" dirty="0" err="1"/>
+              <a:t>project</a:t>
+            </a:r>
+            <a:r>
+              <a:rPr lang="fi-FI" dirty="0"/>
+              <a:t> </a:t>
+            </a:r>
+            <a:r>
+              <a:rPr lang="fi-FI" dirty="0" err="1"/>
+              <a:t>was</a:t>
+            </a:r>
+            <a:r>
+              <a:rPr lang="fi-FI" dirty="0"/>
+              <a:t> an </a:t>
+            </a:r>
+            <a:r>
+              <a:rPr lang="fi-FI" dirty="0" err="1"/>
+              <a:t>interesting</a:t>
+            </a:r>
+            <a:r>
+              <a:rPr lang="fi-FI" dirty="0"/>
+              <a:t> </a:t>
+            </a:r>
+            <a:r>
+              <a:rPr lang="fi-FI" dirty="0" err="1"/>
+              <a:t>peek</a:t>
+            </a:r>
+            <a:r>
+              <a:rPr lang="fi-FI" dirty="0"/>
+              <a:t> at </a:t>
+            </a:r>
+            <a:r>
+              <a:rPr lang="fi-FI" dirty="0" err="1"/>
+              <a:t>technologies</a:t>
+            </a:r>
+            <a:r>
+              <a:rPr lang="fi-FI" dirty="0"/>
+              <a:t> </a:t>
+            </a:r>
+            <a:r>
+              <a:rPr lang="fi-FI" dirty="0" err="1"/>
+              <a:t>we</a:t>
+            </a:r>
+            <a:r>
+              <a:rPr lang="fi-FI" dirty="0"/>
+              <a:t> </a:t>
+            </a:r>
+            <a:r>
+              <a:rPr lang="fi-FI" dirty="0" err="1"/>
+              <a:t>all</a:t>
+            </a:r>
+            <a:r>
+              <a:rPr lang="fi-FI" dirty="0"/>
+              <a:t> </a:t>
+            </a:r>
+            <a:r>
+              <a:rPr lang="fi-FI" dirty="0" err="1"/>
+              <a:t>might</a:t>
+            </a:r>
+            <a:r>
+              <a:rPr lang="fi-FI" dirty="0"/>
+              <a:t> </a:t>
+            </a:r>
+            <a:r>
+              <a:rPr lang="fi-FI" dirty="0" err="1"/>
+              <a:t>end</a:t>
+            </a:r>
+            <a:r>
+              <a:rPr lang="fi-FI" dirty="0"/>
+              <a:t> </a:t>
+            </a:r>
+            <a:r>
+              <a:rPr lang="fi-FI" dirty="0" err="1"/>
+              <a:t>up</a:t>
+            </a:r>
+            <a:r>
+              <a:rPr lang="fi-FI" dirty="0"/>
+              <a:t> </a:t>
+            </a:r>
+            <a:r>
+              <a:rPr lang="fi-FI" dirty="0" err="1"/>
+              <a:t>seeing</a:t>
+            </a:r>
+            <a:r>
+              <a:rPr lang="fi-FI" dirty="0"/>
+              <a:t> in </a:t>
+            </a:r>
+            <a:r>
+              <a:rPr lang="fi-FI" dirty="0" err="1"/>
+              <a:t>the</a:t>
+            </a:r>
+            <a:r>
+              <a:rPr lang="fi-FI" dirty="0"/>
+              <a:t> </a:t>
+            </a:r>
+            <a:r>
+              <a:rPr lang="fi-FI" dirty="0" err="1"/>
+              <a:t>future</a:t>
+            </a:r>
+            <a:r>
+              <a:rPr lang="fi-FI" dirty="0"/>
+              <a:t>.</a:t>
+            </a:r>
           </a:p>
           <a:p>
             <a:pPr fontAlgn="base"/>
@@ -3036,31 +3383,44 @@
           <a:p>
             <a:pPr fontAlgn="base"/>
             <a:r>
-              <a:rPr lang="fi-FI" b="1" dirty="0" err="1"/>
-              <a:t>Conclusions</a:t>
-            </a:r>
-            <a:r>
-              <a:rPr lang="fi-FI" dirty="0"/>
-              <a:t>​</a:t>
-            </a:r>
-          </a:p>
-          <a:p>
-            <a:pPr fontAlgn="base"/>
-            <a:r>
-              <a:rPr lang="fi-FI" dirty="0" err="1"/>
-              <a:t>The</a:t>
-            </a:r>
-            <a:r>
-              <a:rPr lang="fi-FI" dirty="0"/>
-              <a:t> </a:t>
-            </a:r>
-            <a:r>
-              <a:rPr lang="fi-FI" dirty="0" err="1"/>
-              <a:t>subject</a:t>
-            </a:r>
-            <a:r>
-              <a:rPr lang="fi-FI" dirty="0"/>
-              <a:t> for </a:t>
+              <a:rPr lang="fi-FI" dirty="0" err="1"/>
+              <a:t>Block</a:t>
+            </a:r>
+            <a:r>
+              <a:rPr lang="fi-FI" dirty="0"/>
+              <a:t> </a:t>
+            </a:r>
+            <a:r>
+              <a:rPr lang="fi-FI" dirty="0" err="1"/>
+              <a:t>chain</a:t>
+            </a:r>
+            <a:r>
+              <a:rPr lang="fi-FI" dirty="0"/>
+              <a:t> </a:t>
+            </a:r>
+            <a:r>
+              <a:rPr lang="fi-FI" dirty="0" err="1"/>
+              <a:t>researchers</a:t>
+            </a:r>
+            <a:r>
+              <a:rPr lang="fi-FI" dirty="0"/>
+              <a:t> </a:t>
+            </a:r>
+            <a:r>
+              <a:rPr lang="fi-FI" dirty="0" err="1"/>
+              <a:t>claim</a:t>
+            </a:r>
+            <a:r>
+              <a:rPr lang="fi-FI" dirty="0"/>
+              <a:t> </a:t>
+            </a:r>
+            <a:r>
+              <a:rPr lang="fi-FI" dirty="0" err="1"/>
+              <a:t>that</a:t>
+            </a:r>
+            <a:r>
+              <a:rPr lang="fi-FI" dirty="0"/>
+              <a:t> </a:t>
             </a:r>
             <a:r>
               <a:rPr lang="fi-FI" dirty="0" err="1"/>
@@ -3072,63 +3432,239 @@
             </a:r>
             <a:r>
               <a:rPr lang="fi-FI" dirty="0" err="1"/>
-              <a:t>thesis</a:t>
-            </a:r>
-            <a:r>
-              <a:rPr lang="fi-FI" dirty="0"/>
-              <a:t> </a:t>
-            </a:r>
-            <a:r>
-              <a:rPr lang="fi-FI" dirty="0" err="1"/>
-              <a:t>was</a:t>
-            </a:r>
-            <a:r>
-              <a:rPr lang="fi-FI" dirty="0"/>
-              <a:t> </a:t>
-            </a:r>
-            <a:r>
-              <a:rPr lang="fi-FI" dirty="0" err="1"/>
-              <a:t>chosen</a:t>
-            </a:r>
-            <a:r>
-              <a:rPr lang="fi-FI" dirty="0"/>
-              <a:t> </a:t>
-            </a:r>
-            <a:r>
-              <a:rPr lang="fi-FI" dirty="0" err="1"/>
-              <a:t>well</a:t>
-            </a:r>
-            <a:r>
-              <a:rPr lang="fi-FI" dirty="0"/>
-              <a:t>. </a:t>
-            </a:r>
-            <a:r>
-              <a:rPr lang="fi-FI" dirty="0" err="1"/>
-              <a:t>The</a:t>
-            </a:r>
-            <a:r>
-              <a:rPr lang="fi-FI" dirty="0"/>
-              <a:t> </a:t>
-            </a:r>
-            <a:r>
-              <a:rPr lang="fi-FI" dirty="0" err="1"/>
-              <a:t>task</a:t>
-            </a:r>
-            <a:r>
-              <a:rPr lang="fi-FI" dirty="0"/>
-              <a:t> </a:t>
-            </a:r>
-            <a:r>
-              <a:rPr lang="fi-FI" dirty="0" err="1"/>
-              <a:t>was</a:t>
-            </a:r>
-            <a:r>
-              <a:rPr lang="fi-FI" dirty="0"/>
-              <a:t> </a:t>
-            </a:r>
-            <a:r>
-              <a:rPr lang="fi-FI" dirty="0" err="1"/>
-              <a:t>challenging</a:t>
+              <a:t>block</a:t>
+            </a:r>
+            <a:r>
+              <a:rPr lang="fi-FI" dirty="0"/>
+              <a:t> </a:t>
+            </a:r>
+            <a:r>
+              <a:rPr lang="fi-FI" dirty="0" err="1"/>
+              <a:t>chain</a:t>
+            </a:r>
+            <a:r>
+              <a:rPr lang="fi-FI" dirty="0"/>
+              <a:t> </a:t>
+            </a:r>
+            <a:r>
+              <a:rPr lang="fi-FI" dirty="0" err="1"/>
+              <a:t>technology</a:t>
+            </a:r>
+            <a:r>
+              <a:rPr lang="fi-FI" dirty="0"/>
+              <a:t> </a:t>
+            </a:r>
+            <a:r>
+              <a:rPr lang="fi-FI" dirty="0" err="1"/>
+              <a:t>will</a:t>
+            </a:r>
+            <a:r>
+              <a:rPr lang="fi-FI" dirty="0"/>
+              <a:t> </a:t>
+            </a:r>
+            <a:r>
+              <a:rPr lang="fi-FI" dirty="0" err="1"/>
+              <a:t>have</a:t>
+            </a:r>
+            <a:r>
+              <a:rPr lang="fi-FI" dirty="0"/>
+              <a:t> </a:t>
+            </a:r>
+            <a:r>
+              <a:rPr lang="fi-FI" dirty="0" err="1"/>
+              <a:t>the</a:t>
+            </a:r>
+            <a:r>
+              <a:rPr lang="fi-FI" dirty="0"/>
+              <a:t> </a:t>
+            </a:r>
+            <a:r>
+              <a:rPr lang="fi-FI" dirty="0" err="1"/>
+              <a:t>same</a:t>
+            </a:r>
+            <a:r>
+              <a:rPr lang="fi-FI" dirty="0"/>
+              <a:t> </a:t>
+            </a:r>
+            <a:r>
+              <a:rPr lang="fi-FI" dirty="0" err="1"/>
+              <a:t>impact</a:t>
+            </a:r>
+            <a:r>
+              <a:rPr lang="fi-FI" dirty="0"/>
+              <a:t> on </a:t>
+            </a:r>
+            <a:r>
+              <a:rPr lang="fi-FI" dirty="0" err="1"/>
+              <a:t>the</a:t>
+            </a:r>
+            <a:r>
+              <a:rPr lang="fi-FI" dirty="0"/>
+              <a:t> </a:t>
+            </a:r>
+            <a:r>
+              <a:rPr lang="fi-FI" dirty="0" err="1"/>
+              <a:t>world</a:t>
+            </a:r>
+            <a:r>
+              <a:rPr lang="fi-FI" dirty="0"/>
+              <a:t> as </a:t>
+            </a:r>
+            <a:r>
+              <a:rPr lang="fi-FI" dirty="0" err="1"/>
+              <a:t>the</a:t>
+            </a:r>
+            <a:r>
+              <a:rPr lang="fi-FI" dirty="0"/>
+              <a:t> </a:t>
+            </a:r>
+            <a:r>
+              <a:rPr lang="fi-FI" dirty="0" err="1"/>
+              <a:t>invention</a:t>
+            </a:r>
+            <a:r>
+              <a:rPr lang="fi-FI" dirty="0"/>
+              <a:t> of </a:t>
+            </a:r>
+            <a:r>
+              <a:rPr lang="fi-FI" dirty="0" err="1"/>
+              <a:t>the</a:t>
+            </a:r>
+            <a:r>
+              <a:rPr lang="fi-FI" dirty="0"/>
+              <a:t> internet </a:t>
+            </a:r>
+            <a:r>
+              <a:rPr lang="fi-FI" dirty="0" err="1"/>
+              <a:t>did</a:t>
+            </a:r>
+            <a:r>
+              <a:rPr lang="fi-FI" dirty="0"/>
+              <a:t>. Is </a:t>
+            </a:r>
+            <a:r>
+              <a:rPr lang="fi-FI" dirty="0" err="1"/>
+              <a:t>this</a:t>
+            </a:r>
+            <a:r>
+              <a:rPr lang="fi-FI" dirty="0"/>
+              <a:t> a case of </a:t>
+            </a:r>
+            <a:r>
+              <a:rPr lang="fi-FI" dirty="0" err="1"/>
+              <a:t>over-enthusiastic</a:t>
+            </a:r>
+            <a:r>
+              <a:rPr lang="fi-FI" dirty="0"/>
+              <a:t> </a:t>
+            </a:r>
+            <a:r>
+              <a:rPr lang="fi-FI" dirty="0" err="1"/>
+              <a:t>researchers</a:t>
+            </a:r>
+            <a:r>
+              <a:rPr lang="fi-FI" dirty="0"/>
+              <a:t>, </a:t>
+            </a:r>
+            <a:r>
+              <a:rPr lang="fi-FI" dirty="0" err="1"/>
+              <a:t>or</a:t>
+            </a:r>
+            <a:r>
+              <a:rPr lang="fi-FI" dirty="0"/>
+              <a:t> </a:t>
+            </a:r>
+            <a:r>
+              <a:rPr lang="fi-FI" dirty="0" err="1"/>
+              <a:t>will</a:t>
+            </a:r>
+            <a:r>
+              <a:rPr lang="fi-FI" dirty="0"/>
+              <a:t> </a:t>
+            </a:r>
+            <a:r>
+              <a:rPr lang="fi-FI" dirty="0" err="1"/>
+              <a:t>this</a:t>
+            </a:r>
+            <a:r>
+              <a:rPr lang="fi-FI" dirty="0"/>
+              <a:t> </a:t>
+            </a:r>
+            <a:r>
+              <a:rPr lang="fi-FI" dirty="0" err="1"/>
+              <a:t>technology</a:t>
+            </a:r>
+            <a:r>
+              <a:rPr lang="fi-FI" dirty="0"/>
+              <a:t> </a:t>
+            </a:r>
+            <a:r>
+              <a:rPr lang="fi-FI" dirty="0" err="1"/>
+              <a:t>end</a:t>
+            </a:r>
+            <a:r>
+              <a:rPr lang="fi-FI" dirty="0"/>
+              <a:t> </a:t>
+            </a:r>
+            <a:r>
+              <a:rPr lang="fi-FI" dirty="0" err="1"/>
+              <a:t>up</a:t>
+            </a:r>
+            <a:r>
+              <a:rPr lang="fi-FI" dirty="0"/>
+              <a:t> </a:t>
+            </a:r>
+            <a:r>
+              <a:rPr lang="fi-FI" dirty="0" err="1"/>
+              <a:t>changing</a:t>
+            </a:r>
+            <a:r>
+              <a:rPr lang="fi-FI" dirty="0"/>
+              <a:t> </a:t>
+            </a:r>
+            <a:r>
+              <a:rPr lang="fi-FI" dirty="0" err="1"/>
+              <a:t>the</a:t>
+            </a:r>
+            <a:r>
+              <a:rPr lang="fi-FI" dirty="0"/>
+              <a:t> </a:t>
+            </a:r>
+            <a:r>
+              <a:rPr lang="fi-FI" dirty="0" err="1"/>
+              <a:t>world</a:t>
+            </a:r>
+            <a:r>
+              <a:rPr lang="fi-FI" dirty="0"/>
+              <a:t>? </a:t>
+            </a:r>
+            <a:r>
+              <a:rPr lang="fi-FI" dirty="0" err="1"/>
+              <a:t>We</a:t>
+            </a:r>
+            <a:r>
+              <a:rPr lang="fi-FI" dirty="0"/>
+              <a:t> </a:t>
+            </a:r>
+            <a:r>
+              <a:rPr lang="fi-FI" dirty="0" err="1"/>
+              <a:t>will</a:t>
+            </a:r>
+            <a:r>
+              <a:rPr lang="fi-FI" dirty="0"/>
+              <a:t> </a:t>
+            </a:r>
+            <a:r>
+              <a:rPr lang="fi-FI" dirty="0" err="1"/>
+              <a:t>have</a:t>
+            </a:r>
+            <a:r>
+              <a:rPr lang="fi-FI" dirty="0"/>
+              <a:t> to </a:t>
+            </a:r>
+            <a:r>
+              <a:rPr lang="fi-FI" dirty="0" err="1"/>
+              <a:t>wait</a:t>
             </a:r>
             <a:r>
               <a:rPr lang="fi-FI" dirty="0"/>
@@ -3136,342 +3672,7 @@
             </a:r>
             <a:r>
               <a:rPr lang="fi-FI" dirty="0" err="1"/>
-              <a:t>educating</a:t>
-            </a:r>
-            <a:r>
-              <a:rPr lang="fi-FI" dirty="0"/>
-              <a:t>. </a:t>
-            </a:r>
-            <a:r>
-              <a:rPr lang="fi-FI" dirty="0" err="1"/>
-              <a:t>This</a:t>
-            </a:r>
-            <a:r>
-              <a:rPr lang="fi-FI" dirty="0"/>
-              <a:t> </a:t>
-            </a:r>
-            <a:r>
-              <a:rPr lang="fi-FI" dirty="0" err="1"/>
-              <a:t>project</a:t>
-            </a:r>
-            <a:r>
-              <a:rPr lang="fi-FI" dirty="0"/>
-              <a:t> </a:t>
-            </a:r>
-            <a:r>
-              <a:rPr lang="fi-FI" dirty="0" err="1"/>
-              <a:t>was</a:t>
-            </a:r>
-            <a:r>
-              <a:rPr lang="fi-FI" dirty="0"/>
-              <a:t> an </a:t>
-            </a:r>
-            <a:r>
-              <a:rPr lang="fi-FI" dirty="0" err="1"/>
-              <a:t>interesting</a:t>
-            </a:r>
-            <a:r>
-              <a:rPr lang="fi-FI" dirty="0"/>
-              <a:t> </a:t>
-            </a:r>
-            <a:r>
-              <a:rPr lang="fi-FI" dirty="0" err="1"/>
-              <a:t>peek</a:t>
-            </a:r>
-            <a:r>
-              <a:rPr lang="fi-FI" dirty="0"/>
-              <a:t> at </a:t>
-            </a:r>
-            <a:r>
-              <a:rPr lang="fi-FI" dirty="0" err="1"/>
-              <a:t>technologies</a:t>
-            </a:r>
-            <a:r>
-              <a:rPr lang="fi-FI" dirty="0"/>
-              <a:t> </a:t>
-            </a:r>
-            <a:r>
-              <a:rPr lang="fi-FI" dirty="0" err="1"/>
-              <a:t>we</a:t>
-            </a:r>
-            <a:r>
-              <a:rPr lang="fi-FI" dirty="0"/>
-              <a:t> </a:t>
-            </a:r>
-            <a:r>
-              <a:rPr lang="fi-FI" dirty="0" err="1"/>
-              <a:t>might</a:t>
-            </a:r>
-            <a:r>
-              <a:rPr lang="fi-FI" dirty="0"/>
-              <a:t> </a:t>
-            </a:r>
-            <a:r>
-              <a:rPr lang="fi-FI" dirty="0" err="1"/>
-              <a:t>end</a:t>
-            </a:r>
-            <a:r>
-              <a:rPr lang="fi-FI" dirty="0"/>
-              <a:t> </a:t>
-            </a:r>
-            <a:r>
-              <a:rPr lang="fi-FI" dirty="0" err="1"/>
-              <a:t>up</a:t>
-            </a:r>
-            <a:r>
-              <a:rPr lang="fi-FI" dirty="0"/>
-              <a:t> </a:t>
-            </a:r>
-            <a:r>
-              <a:rPr lang="fi-FI" dirty="0" err="1"/>
-              <a:t>seeing</a:t>
-            </a:r>
-            <a:r>
-              <a:rPr lang="fi-FI" dirty="0"/>
-              <a:t> in </a:t>
-            </a:r>
-            <a:r>
-              <a:rPr lang="fi-FI" dirty="0" err="1"/>
-              <a:t>the</a:t>
-            </a:r>
-            <a:r>
-              <a:rPr lang="fi-FI" dirty="0"/>
-              <a:t> </a:t>
-            </a:r>
-            <a:r>
-              <a:rPr lang="fi-FI" dirty="0" err="1"/>
-              <a:t>future</a:t>
-            </a:r>
-            <a:r>
-              <a:rPr lang="fi-FI" dirty="0"/>
-              <a:t>.</a:t>
-            </a:r>
-          </a:p>
-          <a:p>
-            <a:pPr fontAlgn="base"/>
-            <a:endParaRPr lang="fi-FI" dirty="0"/>
-          </a:p>
-          <a:p>
-            <a:pPr fontAlgn="base"/>
-            <a:r>
-              <a:rPr lang="fi-FI" dirty="0" err="1"/>
-              <a:t>Block</a:t>
-            </a:r>
-            <a:r>
-              <a:rPr lang="fi-FI" dirty="0"/>
-              <a:t> </a:t>
-            </a:r>
-            <a:r>
-              <a:rPr lang="fi-FI" dirty="0" err="1"/>
-              <a:t>chain</a:t>
-            </a:r>
-            <a:r>
-              <a:rPr lang="fi-FI" dirty="0"/>
-              <a:t> </a:t>
-            </a:r>
-            <a:r>
-              <a:rPr lang="fi-FI" dirty="0" err="1"/>
-              <a:t>researchers</a:t>
-            </a:r>
-            <a:r>
-              <a:rPr lang="fi-FI" dirty="0"/>
-              <a:t> </a:t>
-            </a:r>
-            <a:r>
-              <a:rPr lang="fi-FI" dirty="0" err="1"/>
-              <a:t>claim</a:t>
-            </a:r>
-            <a:r>
-              <a:rPr lang="fi-FI" dirty="0"/>
-              <a:t> </a:t>
-            </a:r>
-            <a:r>
-              <a:rPr lang="fi-FI" dirty="0" err="1"/>
-              <a:t>that</a:t>
-            </a:r>
-            <a:r>
-              <a:rPr lang="fi-FI" dirty="0"/>
-              <a:t> </a:t>
-            </a:r>
-            <a:r>
-              <a:rPr lang="fi-FI" dirty="0" err="1"/>
-              <a:t>the</a:t>
-            </a:r>
-            <a:r>
-              <a:rPr lang="fi-FI" dirty="0"/>
-              <a:t> </a:t>
-            </a:r>
-            <a:r>
-              <a:rPr lang="fi-FI" dirty="0" err="1"/>
-              <a:t>block</a:t>
-            </a:r>
-            <a:r>
-              <a:rPr lang="fi-FI" dirty="0"/>
-              <a:t> </a:t>
-            </a:r>
-            <a:r>
-              <a:rPr lang="fi-FI" dirty="0" err="1"/>
-              <a:t>chain</a:t>
-            </a:r>
-            <a:r>
-              <a:rPr lang="fi-FI" dirty="0"/>
-              <a:t> </a:t>
-            </a:r>
-            <a:r>
-              <a:rPr lang="fi-FI" dirty="0" err="1"/>
-              <a:t>technology</a:t>
-            </a:r>
-            <a:r>
-              <a:rPr lang="fi-FI" dirty="0"/>
-              <a:t> </a:t>
-            </a:r>
-            <a:r>
-              <a:rPr lang="fi-FI" dirty="0" err="1"/>
-              <a:t>will</a:t>
-            </a:r>
-            <a:r>
-              <a:rPr lang="fi-FI" dirty="0"/>
-              <a:t> </a:t>
-            </a:r>
-            <a:r>
-              <a:rPr lang="fi-FI" dirty="0" err="1"/>
-              <a:t>have</a:t>
-            </a:r>
-            <a:r>
-              <a:rPr lang="fi-FI" dirty="0"/>
-              <a:t> </a:t>
-            </a:r>
-            <a:r>
-              <a:rPr lang="fi-FI" dirty="0" err="1"/>
-              <a:t>the</a:t>
-            </a:r>
-            <a:r>
-              <a:rPr lang="fi-FI" dirty="0"/>
-              <a:t> </a:t>
-            </a:r>
-            <a:r>
-              <a:rPr lang="fi-FI" dirty="0" err="1"/>
-              <a:t>same</a:t>
-            </a:r>
-            <a:r>
-              <a:rPr lang="fi-FI" dirty="0"/>
-              <a:t> </a:t>
-            </a:r>
-            <a:r>
-              <a:rPr lang="fi-FI" dirty="0" err="1"/>
-              <a:t>impact</a:t>
-            </a:r>
-            <a:r>
-              <a:rPr lang="fi-FI" dirty="0"/>
-              <a:t> on </a:t>
-            </a:r>
-            <a:r>
-              <a:rPr lang="fi-FI" dirty="0" err="1"/>
-              <a:t>the</a:t>
-            </a:r>
-            <a:r>
-              <a:rPr lang="fi-FI" dirty="0"/>
-              <a:t> </a:t>
-            </a:r>
-            <a:r>
-              <a:rPr lang="fi-FI" dirty="0" err="1"/>
-              <a:t>world</a:t>
-            </a:r>
-            <a:r>
-              <a:rPr lang="fi-FI" dirty="0"/>
-              <a:t> as </a:t>
-            </a:r>
-            <a:r>
-              <a:rPr lang="fi-FI" dirty="0" err="1"/>
-              <a:t>the</a:t>
-            </a:r>
-            <a:r>
-              <a:rPr lang="fi-FI" dirty="0"/>
-              <a:t> </a:t>
-            </a:r>
-            <a:r>
-              <a:rPr lang="fi-FI" dirty="0" err="1"/>
-              <a:t>invention</a:t>
-            </a:r>
-            <a:r>
-              <a:rPr lang="fi-FI" dirty="0"/>
-              <a:t> of </a:t>
-            </a:r>
-            <a:r>
-              <a:rPr lang="fi-FI" dirty="0" err="1"/>
-              <a:t>the</a:t>
-            </a:r>
-            <a:r>
-              <a:rPr lang="fi-FI" dirty="0"/>
-              <a:t> internet </a:t>
-            </a:r>
-            <a:r>
-              <a:rPr lang="fi-FI" dirty="0" err="1"/>
-              <a:t>did</a:t>
-            </a:r>
-            <a:r>
-              <a:rPr lang="fi-FI" dirty="0"/>
-              <a:t>. </a:t>
-            </a:r>
-            <a:r>
-              <a:rPr lang="fi-FI" dirty="0" err="1"/>
-              <a:t>The</a:t>
-            </a:r>
-            <a:r>
-              <a:rPr lang="fi-FI" dirty="0"/>
-              <a:t> </a:t>
-            </a:r>
-            <a:r>
-              <a:rPr lang="fi-FI" dirty="0" err="1"/>
-              <a:t>technology</a:t>
-            </a:r>
-            <a:r>
-              <a:rPr lang="fi-FI" dirty="0"/>
-              <a:t> </a:t>
-            </a:r>
-            <a:r>
-              <a:rPr lang="fi-FI" dirty="0" err="1"/>
-              <a:t>still</a:t>
-            </a:r>
-            <a:r>
-              <a:rPr lang="fi-FI" dirty="0"/>
-              <a:t> </a:t>
-            </a:r>
-            <a:r>
-              <a:rPr lang="fi-FI" dirty="0" err="1"/>
-              <a:t>has</a:t>
-            </a:r>
-            <a:r>
-              <a:rPr lang="fi-FI" dirty="0"/>
-              <a:t> </a:t>
-            </a:r>
-            <a:r>
-              <a:rPr lang="fi-FI" dirty="0" err="1"/>
-              <a:t>ways</a:t>
-            </a:r>
-            <a:r>
-              <a:rPr lang="fi-FI" dirty="0"/>
-              <a:t> to go </a:t>
-            </a:r>
-            <a:r>
-              <a:rPr lang="fi-FI" dirty="0" err="1"/>
-              <a:t>before</a:t>
-            </a:r>
-            <a:r>
-              <a:rPr lang="fi-FI" dirty="0"/>
-              <a:t> a </a:t>
-            </a:r>
-            <a:r>
-              <a:rPr lang="fi-FI" dirty="0" err="1"/>
-              <a:t>world-wide</a:t>
-            </a:r>
-            <a:r>
-              <a:rPr lang="fi-FI" dirty="0"/>
-              <a:t> </a:t>
-            </a:r>
-            <a:r>
-              <a:rPr lang="fi-FI" dirty="0" err="1"/>
-              <a:t>breaktrhrough</a:t>
+              <a:t>see</a:t>
             </a:r>
             <a:r>
               <a:rPr lang="fi-FI" dirty="0"/>
@@ -3514,7 +3715,15 @@
             </a:r>
             <a:r>
               <a:rPr lang="fi-FI" dirty="0"/>
-              <a:t> GitHub-</a:t>
+              <a:t> </a:t>
+            </a:r>
+            <a:r>
+              <a:rPr lang="fi-FI" dirty="0" err="1"/>
+              <a:t>thesis</a:t>
+            </a:r>
+            <a:r>
+              <a:rPr lang="fi-FI" dirty="0"/>
+              <a:t>’ GitHub-</a:t>
             </a:r>
             <a:r>
               <a:rPr lang="fi-FI" dirty="0" err="1"/>
@@ -3522,23 +3731,20 @@
             </a:r>
             <a:r>
               <a:rPr lang="fi-FI" dirty="0"/>
-              <a:t> for </a:t>
-            </a:r>
-            <a:r>
-              <a:rPr lang="fi-FI" dirty="0" err="1"/>
-              <a:t>the</a:t>
-            </a:r>
-            <a:r>
-              <a:rPr lang="fi-FI" dirty="0"/>
-              <a:t> </a:t>
-            </a:r>
-            <a:r>
-              <a:rPr lang="fi-FI" dirty="0" err="1"/>
-              <a:t>thesis</a:t>
-            </a:r>
-            <a:r>
-              <a:rPr lang="fi-FI" dirty="0"/>
               <a:t>.</a:t>
+            </a:r>
+          </a:p>
+          <a:p>
+            <a:pPr fontAlgn="base"/>
+            <a:r>
+              <a:rPr lang="fi-FI" dirty="0">
+                <a:hlinkClick r:id="rId4"/>
+              </a:rPr>
+              <a:t>https://bitcoin.org/bitcoin.pdf</a:t>
+            </a:r>
+            <a:r>
+              <a:rPr lang="fi-FI" dirty="0"/>
+              <a:t> </a:t>
             </a:r>
           </a:p>
           <a:p>
@@ -3569,8 +3775,8 @@
         </p:nvSpPr>
         <p:spPr>
           <a:xfrm>
-            <a:off x="3368837" y="11557799"/>
-            <a:ext cx="2835095" cy="395288"/>
+            <a:off x="4067298" y="3745483"/>
+            <a:ext cx="4085106" cy="749583"/>
           </a:xfrm>
           <a:prstGeom prst="rect">
             <a:avLst/>
@@ -3675,15 +3881,1134 @@
           </a:lstStyle>
           <a:p>
             <a:r>
-              <a:rPr lang="fi-FI" sz="1200">
-                <a:solidFill>
-                  <a:schemeClr val="tx1">
-                    <a:lumMod val="50000"/>
-                    <a:lumOff val="50000"/>
-                  </a:schemeClr>
-                </a:solidFill>
-              </a:rPr>
-              <a:t>Kuva 1. Pelinäkymä </a:t>
+              <a:rPr lang="fi-FI" sz="1200" dirty="0">
+                <a:solidFill>
+                  <a:schemeClr val="tx1">
+                    <a:lumMod val="50000"/>
+                    <a:lumOff val="50000"/>
+                  </a:schemeClr>
+                </a:solidFill>
+              </a:rPr>
+              <a:t>Image 1.  </a:t>
+            </a:r>
+            <a:r>
+              <a:rPr lang="fi-FI" sz="1200" dirty="0" err="1">
+                <a:solidFill>
+                  <a:schemeClr val="tx1">
+                    <a:lumMod val="50000"/>
+                    <a:lumOff val="50000"/>
+                  </a:schemeClr>
+                </a:solidFill>
+              </a:rPr>
+              <a:t>The</a:t>
+            </a:r>
+            <a:r>
+              <a:rPr lang="fi-FI" sz="1200" dirty="0">
+                <a:solidFill>
+                  <a:schemeClr val="tx1">
+                    <a:lumMod val="50000"/>
+                    <a:lumOff val="50000"/>
+                  </a:schemeClr>
+                </a:solidFill>
+              </a:rPr>
+              <a:t> </a:t>
+            </a:r>
+            <a:r>
+              <a:rPr lang="fi-FI" sz="1200" dirty="0" err="1">
+                <a:solidFill>
+                  <a:schemeClr val="tx1">
+                    <a:lumMod val="50000"/>
+                    <a:lumOff val="50000"/>
+                  </a:schemeClr>
+                </a:solidFill>
+              </a:rPr>
+              <a:t>block</a:t>
+            </a:r>
+            <a:r>
+              <a:rPr lang="fi-FI" sz="1200" dirty="0">
+                <a:solidFill>
+                  <a:schemeClr val="tx1">
+                    <a:lumMod val="50000"/>
+                    <a:lumOff val="50000"/>
+                  </a:schemeClr>
+                </a:solidFill>
+              </a:rPr>
+              <a:t> </a:t>
+            </a:r>
+            <a:r>
+              <a:rPr lang="fi-FI" sz="1200" dirty="0" err="1">
+                <a:solidFill>
+                  <a:schemeClr val="tx1">
+                    <a:lumMod val="50000"/>
+                    <a:lumOff val="50000"/>
+                  </a:schemeClr>
+                </a:solidFill>
+              </a:rPr>
+              <a:t>chain’s</a:t>
+            </a:r>
+            <a:r>
+              <a:rPr lang="fi-FI" sz="1200" dirty="0">
+                <a:solidFill>
+                  <a:schemeClr val="tx1">
+                    <a:lumMod val="50000"/>
+                    <a:lumOff val="50000"/>
+                  </a:schemeClr>
+                </a:solidFill>
+              </a:rPr>
+              <a:t> </a:t>
+            </a:r>
+            <a:r>
+              <a:rPr lang="fi-FI" sz="1200" dirty="0" err="1">
+                <a:solidFill>
+                  <a:schemeClr val="tx1">
+                    <a:lumMod val="50000"/>
+                    <a:lumOff val="50000"/>
+                  </a:schemeClr>
+                </a:solidFill>
+              </a:rPr>
+              <a:t>structure</a:t>
+            </a:r>
+            <a:r>
+              <a:rPr lang="fi-FI" sz="1200" dirty="0">
+                <a:solidFill>
+                  <a:schemeClr val="tx1">
+                    <a:lumMod val="50000"/>
+                    <a:lumOff val="50000"/>
+                  </a:schemeClr>
+                </a:solidFill>
+              </a:rPr>
+              <a:t>. </a:t>
+            </a:r>
+            <a:r>
+              <a:rPr lang="fi-FI" sz="1200" dirty="0" err="1">
+                <a:solidFill>
+                  <a:schemeClr val="tx1">
+                    <a:lumMod val="50000"/>
+                    <a:lumOff val="50000"/>
+                  </a:schemeClr>
+                </a:solidFill>
+              </a:rPr>
+              <a:t>Each</a:t>
+            </a:r>
+            <a:r>
+              <a:rPr lang="fi-FI" sz="1200" dirty="0">
+                <a:solidFill>
+                  <a:schemeClr val="tx1">
+                    <a:lumMod val="50000"/>
+                    <a:lumOff val="50000"/>
+                  </a:schemeClr>
+                </a:solidFill>
+              </a:rPr>
+              <a:t> </a:t>
+            </a:r>
+            <a:r>
+              <a:rPr lang="fi-FI" sz="1200" dirty="0" err="1">
+                <a:solidFill>
+                  <a:schemeClr val="tx1">
+                    <a:lumMod val="50000"/>
+                    <a:lumOff val="50000"/>
+                  </a:schemeClr>
+                </a:solidFill>
+              </a:rPr>
+              <a:t>block</a:t>
+            </a:r>
+            <a:r>
+              <a:rPr lang="fi-FI" sz="1200" dirty="0">
+                <a:solidFill>
+                  <a:schemeClr val="tx1">
+                    <a:lumMod val="50000"/>
+                    <a:lumOff val="50000"/>
+                  </a:schemeClr>
+                </a:solidFill>
+              </a:rPr>
+              <a:t> </a:t>
+            </a:r>
+            <a:r>
+              <a:rPr lang="fi-FI" sz="1200" dirty="0" err="1">
+                <a:solidFill>
+                  <a:schemeClr val="tx1">
+                    <a:lumMod val="50000"/>
+                    <a:lumOff val="50000"/>
+                  </a:schemeClr>
+                </a:solidFill>
+              </a:rPr>
+              <a:t>contains</a:t>
+            </a:r>
+            <a:r>
+              <a:rPr lang="fi-FI" sz="1200" dirty="0">
+                <a:solidFill>
+                  <a:schemeClr val="tx1">
+                    <a:lumMod val="50000"/>
+                    <a:lumOff val="50000"/>
+                  </a:schemeClr>
+                </a:solidFill>
+              </a:rPr>
+              <a:t> </a:t>
+            </a:r>
+            <a:r>
+              <a:rPr lang="fi-FI" sz="1200" dirty="0" err="1">
+                <a:solidFill>
+                  <a:schemeClr val="tx1">
+                    <a:lumMod val="50000"/>
+                    <a:lumOff val="50000"/>
+                  </a:schemeClr>
+                </a:solidFill>
+              </a:rPr>
+              <a:t>multiple</a:t>
+            </a:r>
+            <a:r>
+              <a:rPr lang="fi-FI" sz="1200" dirty="0">
+                <a:solidFill>
+                  <a:schemeClr val="tx1">
+                    <a:lumMod val="50000"/>
+                    <a:lumOff val="50000"/>
+                  </a:schemeClr>
+                </a:solidFill>
+              </a:rPr>
+              <a:t> </a:t>
+            </a:r>
+            <a:r>
+              <a:rPr lang="fi-FI" sz="1200" dirty="0" err="1">
+                <a:solidFill>
+                  <a:schemeClr val="tx1">
+                    <a:lumMod val="50000"/>
+                    <a:lumOff val="50000"/>
+                  </a:schemeClr>
+                </a:solidFill>
+              </a:rPr>
+              <a:t>transactions</a:t>
+            </a:r>
+            <a:r>
+              <a:rPr lang="fi-FI" sz="1200" dirty="0">
+                <a:solidFill>
+                  <a:schemeClr val="tx1">
+                    <a:lumMod val="50000"/>
+                    <a:lumOff val="50000"/>
+                  </a:schemeClr>
+                </a:solidFill>
+              </a:rPr>
+              <a:t>. </a:t>
+            </a:r>
+            <a:r>
+              <a:rPr lang="fi-FI" sz="1200" dirty="0" err="1">
+                <a:solidFill>
+                  <a:schemeClr val="tx1">
+                    <a:lumMod val="50000"/>
+                    <a:lumOff val="50000"/>
+                  </a:schemeClr>
+                </a:solidFill>
+              </a:rPr>
+              <a:t>Each</a:t>
+            </a:r>
+            <a:r>
+              <a:rPr lang="fi-FI" sz="1200" dirty="0">
+                <a:solidFill>
+                  <a:schemeClr val="tx1">
+                    <a:lumMod val="50000"/>
+                    <a:lumOff val="50000"/>
+                  </a:schemeClr>
+                </a:solidFill>
+              </a:rPr>
+              <a:t> </a:t>
+            </a:r>
+            <a:r>
+              <a:rPr lang="fi-FI" sz="1200" dirty="0" err="1">
+                <a:solidFill>
+                  <a:schemeClr val="tx1">
+                    <a:lumMod val="50000"/>
+                    <a:lumOff val="50000"/>
+                  </a:schemeClr>
+                </a:solidFill>
+              </a:rPr>
+              <a:t>block</a:t>
+            </a:r>
+            <a:r>
+              <a:rPr lang="fi-FI" sz="1200" dirty="0">
+                <a:solidFill>
+                  <a:schemeClr val="tx1">
+                    <a:lumMod val="50000"/>
+                    <a:lumOff val="50000"/>
+                  </a:schemeClr>
+                </a:solidFill>
+              </a:rPr>
+              <a:t> is </a:t>
+            </a:r>
+            <a:r>
+              <a:rPr lang="fi-FI" sz="1200" dirty="0" err="1">
+                <a:solidFill>
+                  <a:schemeClr val="tx1">
+                    <a:lumMod val="50000"/>
+                    <a:lumOff val="50000"/>
+                  </a:schemeClr>
+                </a:solidFill>
+              </a:rPr>
+              <a:t>linked</a:t>
+            </a:r>
+            <a:r>
+              <a:rPr lang="fi-FI" sz="1200" dirty="0">
+                <a:solidFill>
+                  <a:schemeClr val="tx1">
+                    <a:lumMod val="50000"/>
+                    <a:lumOff val="50000"/>
+                  </a:schemeClr>
+                </a:solidFill>
+              </a:rPr>
+              <a:t> to </a:t>
+            </a:r>
+            <a:r>
+              <a:rPr lang="fi-FI" sz="1200" dirty="0" err="1">
+                <a:solidFill>
+                  <a:schemeClr val="tx1">
+                    <a:lumMod val="50000"/>
+                    <a:lumOff val="50000"/>
+                  </a:schemeClr>
+                </a:solidFill>
+              </a:rPr>
+              <a:t>the</a:t>
+            </a:r>
+            <a:r>
+              <a:rPr lang="fi-FI" sz="1200" dirty="0">
+                <a:solidFill>
+                  <a:schemeClr val="tx1">
+                    <a:lumMod val="50000"/>
+                    <a:lumOff val="50000"/>
+                  </a:schemeClr>
+                </a:solidFill>
+              </a:rPr>
+              <a:t> </a:t>
+            </a:r>
+            <a:r>
+              <a:rPr lang="fi-FI" sz="1200" dirty="0" err="1">
+                <a:solidFill>
+                  <a:schemeClr val="tx1">
+                    <a:lumMod val="50000"/>
+                    <a:lumOff val="50000"/>
+                  </a:schemeClr>
+                </a:solidFill>
+              </a:rPr>
+              <a:t>previous</a:t>
+            </a:r>
+            <a:r>
+              <a:rPr lang="fi-FI" sz="1200" dirty="0">
+                <a:solidFill>
+                  <a:schemeClr val="tx1">
+                    <a:lumMod val="50000"/>
+                    <a:lumOff val="50000"/>
+                  </a:schemeClr>
+                </a:solidFill>
+              </a:rPr>
+              <a:t> </a:t>
+            </a:r>
+            <a:r>
+              <a:rPr lang="fi-FI" sz="1200" dirty="0" err="1">
+                <a:solidFill>
+                  <a:schemeClr val="tx1">
+                    <a:lumMod val="50000"/>
+                    <a:lumOff val="50000"/>
+                  </a:schemeClr>
+                </a:solidFill>
+              </a:rPr>
+              <a:t>one</a:t>
+            </a:r>
+            <a:r>
+              <a:rPr lang="fi-FI" sz="1200" dirty="0">
+                <a:solidFill>
+                  <a:schemeClr val="tx1">
+                    <a:lumMod val="50000"/>
+                    <a:lumOff val="50000"/>
+                  </a:schemeClr>
+                </a:solidFill>
+              </a:rPr>
+              <a:t>. ”</a:t>
+            </a:r>
+            <a:r>
+              <a:rPr lang="fi-FI" sz="1200" dirty="0" err="1">
+                <a:solidFill>
+                  <a:schemeClr val="tx1">
+                    <a:lumMod val="50000"/>
+                    <a:lumOff val="50000"/>
+                  </a:schemeClr>
+                </a:solidFill>
+              </a:rPr>
+              <a:t>Tx</a:t>
+            </a:r>
+            <a:r>
+              <a:rPr lang="fi-FI" sz="1200" dirty="0">
+                <a:solidFill>
+                  <a:schemeClr val="tx1">
+                    <a:lumMod val="50000"/>
+                    <a:lumOff val="50000"/>
+                  </a:schemeClr>
+                </a:solidFill>
+              </a:rPr>
+              <a:t>” </a:t>
+            </a:r>
+            <a:r>
+              <a:rPr lang="fi-FI" sz="1200" dirty="0" err="1">
+                <a:solidFill>
+                  <a:schemeClr val="tx1">
+                    <a:lumMod val="50000"/>
+                    <a:lumOff val="50000"/>
+                  </a:schemeClr>
+                </a:solidFill>
+              </a:rPr>
+              <a:t>means</a:t>
+            </a:r>
+            <a:r>
+              <a:rPr lang="fi-FI" sz="1200" dirty="0">
+                <a:solidFill>
+                  <a:schemeClr val="tx1">
+                    <a:lumMod val="50000"/>
+                    <a:lumOff val="50000"/>
+                  </a:schemeClr>
+                </a:solidFill>
+              </a:rPr>
+              <a:t> ”</a:t>
+            </a:r>
+            <a:r>
+              <a:rPr lang="fi-FI" sz="1200" dirty="0" err="1">
+                <a:solidFill>
+                  <a:schemeClr val="tx1">
+                    <a:lumMod val="50000"/>
+                    <a:lumOff val="50000"/>
+                  </a:schemeClr>
+                </a:solidFill>
+              </a:rPr>
+              <a:t>transaction</a:t>
+            </a:r>
+            <a:r>
+              <a:rPr lang="fi-FI" sz="1200" dirty="0">
+                <a:solidFill>
+                  <a:schemeClr val="tx1">
+                    <a:lumMod val="50000"/>
+                    <a:lumOff val="50000"/>
+                  </a:schemeClr>
+                </a:solidFill>
+              </a:rPr>
+              <a:t>”</a:t>
+            </a:r>
+          </a:p>
+        </p:txBody>
+      </p:sp>
+      <p:pic>
+        <p:nvPicPr>
+          <p:cNvPr id="18" name="Kuva 17">
+            <a:extLst>
+              <a:ext uri="{FF2B5EF4-FFF2-40B4-BE49-F238E27FC236}">
+                <a16:creationId xmlns:a16="http://schemas.microsoft.com/office/drawing/2014/main" id="{54895817-E877-43C9-B96C-D54CD1883E26}"/>
+              </a:ext>
+            </a:extLst>
+          </p:cNvPr>
+          <p:cNvPicPr>
+            <a:picLocks noChangeAspect="1"/>
+          </p:cNvPicPr>
+          <p:nvPr/>
+        </p:nvPicPr>
+        <p:blipFill>
+          <a:blip r:embed="rId5"/>
+          <a:stretch>
+            <a:fillRect/>
+          </a:stretch>
+        </p:blipFill>
+        <p:spPr>
+          <a:xfrm>
+            <a:off x="4067298" y="2737792"/>
+            <a:ext cx="4085106" cy="1003537"/>
+          </a:xfrm>
+          <a:prstGeom prst="rect">
+            <a:avLst/>
+          </a:prstGeom>
+        </p:spPr>
+      </p:pic>
+      <p:pic>
+        <p:nvPicPr>
+          <p:cNvPr id="20" name="Kuva 19">
+            <a:extLst>
+              <a:ext uri="{FF2B5EF4-FFF2-40B4-BE49-F238E27FC236}">
+                <a16:creationId xmlns:a16="http://schemas.microsoft.com/office/drawing/2014/main" id="{20B92B8F-49E2-42D7-B907-69819C812975}"/>
+              </a:ext>
+            </a:extLst>
+          </p:cNvPr>
+          <p:cNvPicPr>
+            <a:picLocks noChangeAspect="1"/>
+          </p:cNvPicPr>
+          <p:nvPr/>
+        </p:nvPicPr>
+        <p:blipFill>
+          <a:blip r:embed="rId6"/>
+          <a:stretch>
+            <a:fillRect/>
+          </a:stretch>
+        </p:blipFill>
+        <p:spPr>
+          <a:xfrm>
+            <a:off x="6338332" y="9530379"/>
+            <a:ext cx="2993599" cy="1386697"/>
+          </a:xfrm>
+          <a:prstGeom prst="rect">
+            <a:avLst/>
+          </a:prstGeom>
+        </p:spPr>
+      </p:pic>
+      <p:sp>
+        <p:nvSpPr>
+          <p:cNvPr id="23" name="Alatunnisteen paikkamerkki 4">
+            <a:extLst>
+              <a:ext uri="{FF2B5EF4-FFF2-40B4-BE49-F238E27FC236}">
+                <a16:creationId xmlns:a16="http://schemas.microsoft.com/office/drawing/2014/main" id="{CD4DA8C5-879B-437F-A9FF-929C6BB1A4B4}"/>
+              </a:ext>
+            </a:extLst>
+          </p:cNvPr>
+          <p:cNvSpPr>
+            <a:spLocks noGrp="1"/>
+          </p:cNvSpPr>
+          <p:nvPr/>
+        </p:nvSpPr>
+        <p:spPr>
+          <a:xfrm>
+            <a:off x="6338332" y="10917079"/>
+            <a:ext cx="2943490" cy="749583"/>
+          </a:xfrm>
+          <a:prstGeom prst="rect">
+            <a:avLst/>
+          </a:prstGeom>
+        </p:spPr>
+        <p:txBody>
+          <a:bodyPr lIns="122191" tIns="0" rIns="122191" bIns="0" anchor="t"/>
+          <a:lstStyle>
+            <a:defPPr>
+              <a:defRPr lang="fi-FI"/>
+            </a:defPPr>
+            <a:lvl1pPr marL="0" algn="l" defTabSz="457200" rtl="0" eaLnBrk="1" latinLnBrk="0" hangingPunct="1">
+              <a:defRPr sz="1800" kern="1200">
+                <a:solidFill>
+                  <a:schemeClr val="tx1"/>
+                </a:solidFill>
+                <a:latin typeface="+mn-lt"/>
+                <a:ea typeface="+mn-ea"/>
+                <a:cs typeface="+mn-cs"/>
+              </a:defRPr>
+            </a:lvl1pPr>
+            <a:lvl2pPr marL="457200" algn="l" defTabSz="457200" rtl="0" eaLnBrk="1" latinLnBrk="0" hangingPunct="1">
+              <a:defRPr sz="1800" kern="1200">
+                <a:solidFill>
+                  <a:schemeClr val="tx1"/>
+                </a:solidFill>
+                <a:latin typeface="+mn-lt"/>
+                <a:ea typeface="+mn-ea"/>
+                <a:cs typeface="+mn-cs"/>
+              </a:defRPr>
+            </a:lvl2pPr>
+            <a:lvl3pPr marL="914400" algn="l" defTabSz="457200" rtl="0" eaLnBrk="1" latinLnBrk="0" hangingPunct="1">
+              <a:defRPr sz="1800" kern="1200">
+                <a:solidFill>
+                  <a:schemeClr val="tx1"/>
+                </a:solidFill>
+                <a:latin typeface="+mn-lt"/>
+                <a:ea typeface="+mn-ea"/>
+                <a:cs typeface="+mn-cs"/>
+              </a:defRPr>
+            </a:lvl3pPr>
+            <a:lvl4pPr marL="1371600" algn="l" defTabSz="457200" rtl="0" eaLnBrk="1" latinLnBrk="0" hangingPunct="1">
+              <a:defRPr sz="1800" kern="1200">
+                <a:solidFill>
+                  <a:schemeClr val="tx1"/>
+                </a:solidFill>
+                <a:latin typeface="+mn-lt"/>
+                <a:ea typeface="+mn-ea"/>
+                <a:cs typeface="+mn-cs"/>
+              </a:defRPr>
+            </a:lvl4pPr>
+            <a:lvl5pPr marL="1828800" algn="l" defTabSz="457200" rtl="0" eaLnBrk="1" latinLnBrk="0" hangingPunct="1">
+              <a:defRPr sz="1800" kern="1200">
+                <a:solidFill>
+                  <a:schemeClr val="tx1"/>
+                </a:solidFill>
+                <a:latin typeface="+mn-lt"/>
+                <a:ea typeface="+mn-ea"/>
+                <a:cs typeface="+mn-cs"/>
+              </a:defRPr>
+            </a:lvl5pPr>
+            <a:lvl6pPr marL="2286000" algn="l" defTabSz="457200" rtl="0" eaLnBrk="1" latinLnBrk="0" hangingPunct="1">
+              <a:defRPr sz="1800" kern="1200">
+                <a:solidFill>
+                  <a:schemeClr val="tx1"/>
+                </a:solidFill>
+                <a:latin typeface="+mn-lt"/>
+                <a:ea typeface="+mn-ea"/>
+                <a:cs typeface="+mn-cs"/>
+              </a:defRPr>
+            </a:lvl6pPr>
+            <a:lvl7pPr marL="2743200" algn="l" defTabSz="457200" rtl="0" eaLnBrk="1" latinLnBrk="0" hangingPunct="1">
+              <a:defRPr sz="1800" kern="1200">
+                <a:solidFill>
+                  <a:schemeClr val="tx1"/>
+                </a:solidFill>
+                <a:latin typeface="+mn-lt"/>
+                <a:ea typeface="+mn-ea"/>
+                <a:cs typeface="+mn-cs"/>
+              </a:defRPr>
+            </a:lvl7pPr>
+            <a:lvl8pPr marL="3200400" algn="l" defTabSz="457200" rtl="0" eaLnBrk="1" latinLnBrk="0" hangingPunct="1">
+              <a:defRPr sz="1800" kern="1200">
+                <a:solidFill>
+                  <a:schemeClr val="tx1"/>
+                </a:solidFill>
+                <a:latin typeface="+mn-lt"/>
+                <a:ea typeface="+mn-ea"/>
+                <a:cs typeface="+mn-cs"/>
+              </a:defRPr>
+            </a:lvl8pPr>
+            <a:lvl9pPr marL="3657600" algn="l" defTabSz="457200" rtl="0" eaLnBrk="1" latinLnBrk="0" hangingPunct="1">
+              <a:defRPr sz="1800" kern="1200">
+                <a:solidFill>
+                  <a:schemeClr val="tx1"/>
+                </a:solidFill>
+                <a:latin typeface="+mn-lt"/>
+                <a:ea typeface="+mn-ea"/>
+                <a:cs typeface="+mn-cs"/>
+              </a:defRPr>
+            </a:lvl9pPr>
+          </a:lstStyle>
+          <a:p>
+            <a:r>
+              <a:rPr lang="fi-FI" sz="1200" dirty="0">
+                <a:solidFill>
+                  <a:schemeClr val="tx1">
+                    <a:lumMod val="50000"/>
+                    <a:lumOff val="50000"/>
+                  </a:schemeClr>
+                </a:solidFill>
+              </a:rPr>
+              <a:t>Image 2. </a:t>
+            </a:r>
+            <a:r>
+              <a:rPr lang="fi-FI" sz="1200" dirty="0" err="1">
+                <a:solidFill>
+                  <a:schemeClr val="tx1">
+                    <a:lumMod val="50000"/>
+                    <a:lumOff val="50000"/>
+                  </a:schemeClr>
+                </a:solidFill>
+              </a:rPr>
+              <a:t>The</a:t>
+            </a:r>
+            <a:r>
+              <a:rPr lang="fi-FI" sz="1200" dirty="0">
+                <a:solidFill>
+                  <a:schemeClr val="tx1">
+                    <a:lumMod val="50000"/>
+                    <a:lumOff val="50000"/>
+                  </a:schemeClr>
+                </a:solidFill>
+              </a:rPr>
+              <a:t> idea in </a:t>
+            </a:r>
+            <a:r>
+              <a:rPr lang="fi-FI" sz="1200" dirty="0" err="1">
+                <a:solidFill>
+                  <a:schemeClr val="tx1">
+                    <a:lumMod val="50000"/>
+                    <a:lumOff val="50000"/>
+                  </a:schemeClr>
+                </a:solidFill>
+              </a:rPr>
+              <a:t>the</a:t>
+            </a:r>
+            <a:r>
+              <a:rPr lang="fi-FI" sz="1200" dirty="0">
+                <a:solidFill>
+                  <a:schemeClr val="tx1">
+                    <a:lumMod val="50000"/>
+                    <a:lumOff val="50000"/>
+                  </a:schemeClr>
+                </a:solidFill>
+              </a:rPr>
+              <a:t> </a:t>
+            </a:r>
+            <a:r>
+              <a:rPr lang="fi-FI" sz="1200" dirty="0" err="1">
+                <a:solidFill>
+                  <a:schemeClr val="tx1">
+                    <a:lumMod val="50000"/>
+                    <a:lumOff val="50000"/>
+                  </a:schemeClr>
+                </a:solidFill>
+              </a:rPr>
+              <a:t>application</a:t>
+            </a:r>
+            <a:r>
+              <a:rPr lang="fi-FI" sz="1200" dirty="0">
+                <a:solidFill>
+                  <a:schemeClr val="tx1">
+                    <a:lumMod val="50000"/>
+                    <a:lumOff val="50000"/>
+                  </a:schemeClr>
+                </a:solidFill>
+              </a:rPr>
+              <a:t> </a:t>
+            </a:r>
+            <a:r>
+              <a:rPr lang="fi-FI" sz="1200" dirty="0" err="1">
+                <a:solidFill>
+                  <a:schemeClr val="tx1">
+                    <a:lumMod val="50000"/>
+                    <a:lumOff val="50000"/>
+                  </a:schemeClr>
+                </a:solidFill>
+              </a:rPr>
+              <a:t>was</a:t>
+            </a:r>
+            <a:r>
+              <a:rPr lang="fi-FI" sz="1200" dirty="0">
+                <a:solidFill>
+                  <a:schemeClr val="tx1">
+                    <a:lumMod val="50000"/>
+                    <a:lumOff val="50000"/>
+                  </a:schemeClr>
+                </a:solidFill>
+              </a:rPr>
+              <a:t> for </a:t>
+            </a:r>
+            <a:r>
+              <a:rPr lang="fi-FI" sz="1200" dirty="0" err="1">
+                <a:solidFill>
+                  <a:schemeClr val="tx1">
+                    <a:lumMod val="50000"/>
+                    <a:lumOff val="50000"/>
+                  </a:schemeClr>
+                </a:solidFill>
+              </a:rPr>
+              <a:t>the</a:t>
+            </a:r>
+            <a:r>
+              <a:rPr lang="fi-FI" sz="1200" dirty="0">
+                <a:solidFill>
+                  <a:schemeClr val="tx1">
+                    <a:lumMod val="50000"/>
+                    <a:lumOff val="50000"/>
+                  </a:schemeClr>
+                </a:solidFill>
+              </a:rPr>
+              <a:t> </a:t>
+            </a:r>
+            <a:r>
+              <a:rPr lang="fi-FI" sz="1200" dirty="0" err="1">
+                <a:solidFill>
+                  <a:schemeClr val="tx1">
+                    <a:lumMod val="50000"/>
+                    <a:lumOff val="50000"/>
+                  </a:schemeClr>
+                </a:solidFill>
+              </a:rPr>
+              <a:t>car</a:t>
+            </a:r>
+            <a:r>
+              <a:rPr lang="fi-FI" sz="1200" dirty="0">
+                <a:solidFill>
+                  <a:schemeClr val="tx1">
+                    <a:lumMod val="50000"/>
+                    <a:lumOff val="50000"/>
+                  </a:schemeClr>
+                </a:solidFill>
+              </a:rPr>
+              <a:t> </a:t>
+            </a:r>
+            <a:r>
+              <a:rPr lang="fi-FI" sz="1200" dirty="0" err="1">
+                <a:solidFill>
+                  <a:schemeClr val="tx1">
+                    <a:lumMod val="50000"/>
+                    <a:lumOff val="50000"/>
+                  </a:schemeClr>
+                </a:solidFill>
+              </a:rPr>
+              <a:t>owner</a:t>
+            </a:r>
+            <a:r>
+              <a:rPr lang="fi-FI" sz="1200" dirty="0">
+                <a:solidFill>
+                  <a:schemeClr val="tx1">
+                    <a:lumMod val="50000"/>
+                    <a:lumOff val="50000"/>
+                  </a:schemeClr>
+                </a:solidFill>
+              </a:rPr>
+              <a:t> to </a:t>
+            </a:r>
+            <a:r>
+              <a:rPr lang="fi-FI" sz="1200" dirty="0" err="1">
+                <a:solidFill>
+                  <a:schemeClr val="tx1">
+                    <a:lumMod val="50000"/>
+                    <a:lumOff val="50000"/>
+                  </a:schemeClr>
+                </a:solidFill>
+              </a:rPr>
+              <a:t>collect</a:t>
+            </a:r>
+            <a:r>
+              <a:rPr lang="fi-FI" sz="1200" dirty="0">
+                <a:solidFill>
+                  <a:schemeClr val="tx1">
+                    <a:lumMod val="50000"/>
+                    <a:lumOff val="50000"/>
+                  </a:schemeClr>
+                </a:solidFill>
+              </a:rPr>
+              <a:t> </a:t>
+            </a:r>
+            <a:r>
+              <a:rPr lang="fi-FI" sz="1200" dirty="0" err="1">
+                <a:solidFill>
+                  <a:schemeClr val="tx1">
+                    <a:lumMod val="50000"/>
+                    <a:lumOff val="50000"/>
+                  </a:schemeClr>
+                </a:solidFill>
+              </a:rPr>
+              <a:t>highlights</a:t>
+            </a:r>
+            <a:r>
+              <a:rPr lang="fi-FI" sz="1200" dirty="0">
+                <a:solidFill>
+                  <a:schemeClr val="tx1">
+                    <a:lumMod val="50000"/>
+                    <a:lumOff val="50000"/>
+                  </a:schemeClr>
+                </a:solidFill>
+              </a:rPr>
+              <a:t> </a:t>
+            </a:r>
+            <a:r>
+              <a:rPr lang="fi-FI" sz="1200" dirty="0" err="1">
+                <a:solidFill>
+                  <a:schemeClr val="tx1">
+                    <a:lumMod val="50000"/>
+                    <a:lumOff val="50000"/>
+                  </a:schemeClr>
+                </a:solidFill>
+              </a:rPr>
+              <a:t>that</a:t>
+            </a:r>
+            <a:r>
+              <a:rPr lang="fi-FI" sz="1200" dirty="0">
+                <a:solidFill>
+                  <a:schemeClr val="tx1">
+                    <a:lumMod val="50000"/>
+                    <a:lumOff val="50000"/>
+                  </a:schemeClr>
+                </a:solidFill>
+              </a:rPr>
+              <a:t> </a:t>
+            </a:r>
+            <a:r>
+              <a:rPr lang="fi-FI" sz="1200" dirty="0" err="1">
+                <a:solidFill>
+                  <a:schemeClr val="tx1">
+                    <a:lumMod val="50000"/>
+                    <a:lumOff val="50000"/>
+                  </a:schemeClr>
+                </a:solidFill>
+              </a:rPr>
+              <a:t>happen</a:t>
+            </a:r>
+            <a:r>
+              <a:rPr lang="fi-FI" sz="1200" dirty="0">
+                <a:solidFill>
+                  <a:schemeClr val="tx1">
+                    <a:lumMod val="50000"/>
+                    <a:lumOff val="50000"/>
+                  </a:schemeClr>
+                </a:solidFill>
+              </a:rPr>
+              <a:t> in </a:t>
+            </a:r>
+            <a:r>
+              <a:rPr lang="fi-FI" sz="1200" dirty="0" err="1">
+                <a:solidFill>
+                  <a:schemeClr val="tx1">
+                    <a:lumMod val="50000"/>
+                    <a:lumOff val="50000"/>
+                  </a:schemeClr>
+                </a:solidFill>
+              </a:rPr>
+              <a:t>the</a:t>
+            </a:r>
+            <a:r>
+              <a:rPr lang="fi-FI" sz="1200" dirty="0">
+                <a:solidFill>
+                  <a:schemeClr val="tx1">
+                    <a:lumMod val="50000"/>
+                    <a:lumOff val="50000"/>
+                  </a:schemeClr>
+                </a:solidFill>
+              </a:rPr>
+              <a:t> </a:t>
+            </a:r>
+            <a:r>
+              <a:rPr lang="fi-FI" sz="1200" dirty="0" err="1">
+                <a:solidFill>
+                  <a:schemeClr val="tx1">
+                    <a:lumMod val="50000"/>
+                    <a:lumOff val="50000"/>
+                  </a:schemeClr>
+                </a:solidFill>
+              </a:rPr>
+              <a:t>car’s</a:t>
+            </a:r>
+            <a:r>
+              <a:rPr lang="fi-FI" sz="1200" dirty="0">
+                <a:solidFill>
+                  <a:schemeClr val="tx1">
+                    <a:lumMod val="50000"/>
+                    <a:lumOff val="50000"/>
+                  </a:schemeClr>
+                </a:solidFill>
+              </a:rPr>
+              <a:t> life </a:t>
+            </a:r>
+            <a:r>
+              <a:rPr lang="fi-FI" sz="1200" dirty="0" err="1">
+                <a:solidFill>
+                  <a:schemeClr val="tx1">
+                    <a:lumMod val="50000"/>
+                    <a:lumOff val="50000"/>
+                  </a:schemeClr>
+                </a:solidFill>
+              </a:rPr>
+              <a:t>cycle</a:t>
+            </a:r>
+            <a:r>
+              <a:rPr lang="fi-FI" sz="1200" dirty="0">
+                <a:solidFill>
+                  <a:schemeClr val="tx1">
+                    <a:lumMod val="50000"/>
+                    <a:lumOff val="50000"/>
+                  </a:schemeClr>
+                </a:solidFill>
+              </a:rPr>
+              <a:t>. </a:t>
+            </a:r>
+            <a:r>
+              <a:rPr lang="fi-FI" sz="1200" dirty="0" err="1">
+                <a:solidFill>
+                  <a:schemeClr val="tx1">
+                    <a:lumMod val="50000"/>
+                    <a:lumOff val="50000"/>
+                  </a:schemeClr>
+                </a:solidFill>
+              </a:rPr>
+              <a:t>These</a:t>
+            </a:r>
+            <a:r>
+              <a:rPr lang="fi-FI" sz="1200" dirty="0">
+                <a:solidFill>
+                  <a:schemeClr val="tx1">
+                    <a:lumMod val="50000"/>
+                    <a:lumOff val="50000"/>
+                  </a:schemeClr>
+                </a:solidFill>
+              </a:rPr>
+              <a:t> </a:t>
+            </a:r>
+            <a:r>
+              <a:rPr lang="fi-FI" sz="1200" dirty="0" err="1">
+                <a:solidFill>
+                  <a:schemeClr val="tx1">
+                    <a:lumMod val="50000"/>
+                    <a:lumOff val="50000"/>
+                  </a:schemeClr>
+                </a:solidFill>
+              </a:rPr>
+              <a:t>highlights</a:t>
+            </a:r>
+            <a:r>
+              <a:rPr lang="fi-FI" sz="1200" dirty="0">
+                <a:solidFill>
+                  <a:schemeClr val="tx1">
+                    <a:lumMod val="50000"/>
+                    <a:lumOff val="50000"/>
+                  </a:schemeClr>
+                </a:solidFill>
+              </a:rPr>
+              <a:t> </a:t>
+            </a:r>
+            <a:r>
+              <a:rPr lang="fi-FI" sz="1200" dirty="0" err="1">
+                <a:solidFill>
+                  <a:schemeClr val="tx1">
+                    <a:lumMod val="50000"/>
+                    <a:lumOff val="50000"/>
+                  </a:schemeClr>
+                </a:solidFill>
+              </a:rPr>
+              <a:t>will</a:t>
+            </a:r>
+            <a:r>
+              <a:rPr lang="fi-FI" sz="1200" dirty="0">
+                <a:solidFill>
+                  <a:schemeClr val="tx1">
+                    <a:lumMod val="50000"/>
+                    <a:lumOff val="50000"/>
+                  </a:schemeClr>
+                </a:solidFill>
+              </a:rPr>
+              <a:t> </a:t>
+            </a:r>
+            <a:r>
+              <a:rPr lang="fi-FI" sz="1200" dirty="0" err="1">
+                <a:solidFill>
+                  <a:schemeClr val="tx1">
+                    <a:lumMod val="50000"/>
+                    <a:lumOff val="50000"/>
+                  </a:schemeClr>
+                </a:solidFill>
+              </a:rPr>
+              <a:t>convince</a:t>
+            </a:r>
+            <a:r>
+              <a:rPr lang="fi-FI" sz="1200" dirty="0">
+                <a:solidFill>
+                  <a:schemeClr val="tx1">
+                    <a:lumMod val="50000"/>
+                    <a:lumOff val="50000"/>
+                  </a:schemeClr>
+                </a:solidFill>
+              </a:rPr>
+              <a:t> </a:t>
+            </a:r>
+            <a:r>
+              <a:rPr lang="fi-FI" sz="1200" dirty="0" err="1">
+                <a:solidFill>
+                  <a:schemeClr val="tx1">
+                    <a:lumMod val="50000"/>
+                    <a:lumOff val="50000"/>
+                  </a:schemeClr>
+                </a:solidFill>
+              </a:rPr>
+              <a:t>the</a:t>
+            </a:r>
+            <a:r>
+              <a:rPr lang="fi-FI" sz="1200" dirty="0">
+                <a:solidFill>
+                  <a:schemeClr val="tx1">
+                    <a:lumMod val="50000"/>
+                    <a:lumOff val="50000"/>
+                  </a:schemeClr>
+                </a:solidFill>
+              </a:rPr>
+              <a:t> </a:t>
+            </a:r>
+            <a:r>
+              <a:rPr lang="fi-FI" sz="1200" dirty="0" err="1">
+                <a:solidFill>
+                  <a:schemeClr val="tx1">
+                    <a:lumMod val="50000"/>
+                    <a:lumOff val="50000"/>
+                  </a:schemeClr>
+                </a:solidFill>
+              </a:rPr>
+              <a:t>future</a:t>
+            </a:r>
+            <a:r>
+              <a:rPr lang="fi-FI" sz="1200" dirty="0">
+                <a:solidFill>
+                  <a:schemeClr val="tx1">
+                    <a:lumMod val="50000"/>
+                    <a:lumOff val="50000"/>
+                  </a:schemeClr>
+                </a:solidFill>
+              </a:rPr>
+              <a:t> </a:t>
+            </a:r>
+            <a:r>
+              <a:rPr lang="fi-FI" sz="1200" dirty="0" err="1">
+                <a:solidFill>
+                  <a:schemeClr val="tx1">
+                    <a:lumMod val="50000"/>
+                    <a:lumOff val="50000"/>
+                  </a:schemeClr>
+                </a:solidFill>
+              </a:rPr>
+              <a:t>buyer</a:t>
+            </a:r>
+            <a:r>
+              <a:rPr lang="fi-FI" sz="1200" dirty="0">
+                <a:solidFill>
+                  <a:schemeClr val="tx1">
+                    <a:lumMod val="50000"/>
+                    <a:lumOff val="50000"/>
+                  </a:schemeClr>
+                </a:solidFill>
+              </a:rPr>
+              <a:t> of </a:t>
+            </a:r>
+            <a:r>
+              <a:rPr lang="fi-FI" sz="1200" dirty="0" err="1">
+                <a:solidFill>
+                  <a:schemeClr val="tx1">
+                    <a:lumMod val="50000"/>
+                    <a:lumOff val="50000"/>
+                  </a:schemeClr>
+                </a:solidFill>
+              </a:rPr>
+              <a:t>the</a:t>
+            </a:r>
+            <a:r>
+              <a:rPr lang="fi-FI" sz="1200" dirty="0">
+                <a:solidFill>
+                  <a:schemeClr val="tx1">
+                    <a:lumMod val="50000"/>
+                    <a:lumOff val="50000"/>
+                  </a:schemeClr>
+                </a:solidFill>
+              </a:rPr>
+              <a:t> </a:t>
+            </a:r>
+            <a:r>
+              <a:rPr lang="fi-FI" sz="1200" dirty="0" err="1">
+                <a:solidFill>
+                  <a:schemeClr val="tx1">
+                    <a:lumMod val="50000"/>
+                    <a:lumOff val="50000"/>
+                  </a:schemeClr>
+                </a:solidFill>
+              </a:rPr>
+              <a:t>car’s</a:t>
+            </a:r>
+            <a:r>
+              <a:rPr lang="fi-FI" sz="1200" dirty="0">
+                <a:solidFill>
+                  <a:schemeClr val="tx1">
+                    <a:lumMod val="50000"/>
+                    <a:lumOff val="50000"/>
+                  </a:schemeClr>
+                </a:solidFill>
+              </a:rPr>
+              <a:t> </a:t>
+            </a:r>
+            <a:r>
+              <a:rPr lang="fi-FI" sz="1200" dirty="0" err="1">
+                <a:solidFill>
+                  <a:schemeClr val="tx1">
+                    <a:lumMod val="50000"/>
+                    <a:lumOff val="50000"/>
+                  </a:schemeClr>
+                </a:solidFill>
+              </a:rPr>
+              <a:t>value</a:t>
+            </a:r>
+            <a:r>
+              <a:rPr lang="fi-FI" sz="1200" dirty="0">
+                <a:solidFill>
+                  <a:schemeClr val="tx1">
+                    <a:lumMod val="50000"/>
+                    <a:lumOff val="50000"/>
+                  </a:schemeClr>
+                </a:solidFill>
+              </a:rPr>
+              <a:t>.</a:t>
             </a:r>
           </a:p>
         </p:txBody>

--- a/Dokumentaatio/miettinen-lauri-thesis-poster.pptx
+++ b/Dokumentaatio/miettinen-lauri-thesis-poster.pptx
@@ -1957,7 +1957,7 @@
                   </a:schemeClr>
                 </a:solidFill>
               </a:rPr>
-              <a:t>: 6</a:t>
+              <a:t>: 15</a:t>
             </a:r>
           </a:p>
         </p:txBody>
@@ -2447,7 +2447,7 @@
           </a:bodyPr>
           <a:lstStyle/>
           <a:p>
-            <a:pPr fontAlgn="base"/>
+            <a:pPr algn="just" fontAlgn="base"/>
             <a:r>
               <a:rPr lang="fi-FI" b="1" dirty="0" err="1"/>
               <a:t>Introduction</a:t>
@@ -2458,6 +2458,7 @@
             </a:r>
           </a:p>
           <a:p>
+            <a:pPr algn="just"/>
             <a:r>
               <a:rPr lang="en-US" dirty="0"/>
               <a:t>The </a:t>
@@ -2504,9 +2505,11 @@
             </a:r>
           </a:p>
           <a:p>
+            <a:pPr algn="just"/>
             <a:endParaRPr lang="en-US" dirty="0"/>
           </a:p>
           <a:p>
+            <a:pPr algn="just"/>
             <a:r>
               <a:rPr lang="en-US" dirty="0"/>
               <a:t>This thesis was made for the </a:t>
@@ -2530,10 +2533,11 @@
             <a:endParaRPr lang="fi-FI" dirty="0"/>
           </a:p>
           <a:p>
+            <a:pPr algn="just"/>
             <a:endParaRPr lang="fi-FI" dirty="0"/>
           </a:p>
           <a:p>
-            <a:pPr fontAlgn="base"/>
+            <a:pPr algn="just" fontAlgn="base"/>
             <a:r>
               <a:rPr lang="fi-FI" b="1" dirty="0" err="1"/>
               <a:t>Objectives</a:t>
@@ -2544,6 +2548,7 @@
             </a:r>
           </a:p>
           <a:p>
+            <a:pPr algn="just"/>
             <a:r>
               <a:rPr lang="fi-FI" dirty="0" err="1"/>
               <a:t>The</a:t>
@@ -2842,13 +2847,15 @@
             </a:r>
           </a:p>
           <a:p>
+            <a:pPr algn="just"/>
             <a:endParaRPr lang="fi-FI" dirty="0"/>
           </a:p>
           <a:p>
+            <a:pPr algn="just"/>
             <a:endParaRPr lang="en-US" dirty="0"/>
           </a:p>
           <a:p>
-            <a:pPr fontAlgn="base"/>
+            <a:pPr algn="just" fontAlgn="base"/>
             <a:endParaRPr lang="fi-FI" dirty="0"/>
           </a:p>
         </p:txBody>
@@ -2865,7 +2872,7 @@
         </p:nvSpPr>
         <p:spPr>
           <a:xfrm>
-            <a:off x="3394842" y="4744528"/>
+            <a:off x="3358743" y="4602290"/>
             <a:ext cx="2813821" cy="7775574"/>
           </a:xfrm>
         </p:spPr>
@@ -2873,7 +2880,7 @@
           <a:bodyPr lIns="122191" tIns="61096" rIns="122191" bIns="61096" anchor="t"/>
           <a:lstStyle/>
           <a:p>
-            <a:pPr fontAlgn="base"/>
+            <a:pPr algn="just" fontAlgn="base"/>
             <a:r>
               <a:rPr lang="fi-FI" b="1" dirty="0" err="1"/>
               <a:t>Methods</a:t>
@@ -2884,15 +2891,18 @@
             </a:r>
           </a:p>
           <a:p>
+            <a:pPr algn="just"/>
             <a:r>
               <a:rPr lang="en-US" dirty="0"/>
               <a:t>The smart contract was written with the Solidity-language and the interface was created with the Meteor-framework. </a:t>
             </a:r>
           </a:p>
           <a:p>
+            <a:pPr algn="just"/>
             <a:endParaRPr lang="en-US" dirty="0"/>
           </a:p>
           <a:p>
+            <a:pPr algn="just"/>
             <a:r>
               <a:rPr lang="en-US" dirty="0"/>
               <a:t>During development, a software called </a:t>
@@ -3103,7 +3113,7 @@
             <a:endParaRPr lang="fi-FI" dirty="0"/>
           </a:p>
           <a:p>
-            <a:pPr fontAlgn="base"/>
+            <a:pPr algn="just" fontAlgn="base"/>
             <a:r>
               <a:rPr lang="fi-FI" b="1" dirty="0" err="1"/>
               <a:t>Results</a:t>
@@ -3115,7 +3125,7 @@
             <a:endParaRPr lang="en-US" dirty="0"/>
           </a:p>
           <a:p>
-            <a:pPr fontAlgn="base"/>
+            <a:pPr algn="just" fontAlgn="base"/>
             <a:r>
               <a:rPr lang="fi-FI" dirty="0"/>
               <a:t>​</a:t>
@@ -3143,7 +3153,7 @@
         </p:nvSpPr>
         <p:spPr>
           <a:xfrm>
-            <a:off x="6338332" y="4744528"/>
+            <a:off x="6266135" y="4550360"/>
             <a:ext cx="2813821" cy="7775573"/>
           </a:xfrm>
         </p:spPr>
@@ -3151,11 +3161,7 @@
           <a:bodyPr lIns="122191" tIns="61096" rIns="122191" bIns="61096" anchor="t"/>
           <a:lstStyle/>
           <a:p>
-            <a:pPr fontAlgn="base"/>
-            <a:endParaRPr lang="fi-FI" dirty="0"/>
-          </a:p>
-          <a:p>
-            <a:pPr fontAlgn="base"/>
+            <a:pPr algn="just" fontAlgn="base"/>
             <a:r>
               <a:rPr lang="fi-FI" b="1" dirty="0" err="1"/>
               <a:t>Conclusions</a:t>
@@ -3166,7 +3172,7 @@
             </a:r>
           </a:p>
           <a:p>
-            <a:pPr fontAlgn="base"/>
+            <a:pPr algn="just" fontAlgn="base"/>
             <a:r>
               <a:rPr lang="fi-FI" dirty="0" err="1"/>
               <a:t>The</a:t>
@@ -3377,11 +3383,11 @@
             </a:r>
           </a:p>
           <a:p>
-            <a:pPr fontAlgn="base"/>
+            <a:pPr algn="just" fontAlgn="base"/>
             <a:endParaRPr lang="fi-FI" dirty="0"/>
           </a:p>
           <a:p>
-            <a:pPr fontAlgn="base"/>
+            <a:pPr algn="just" fontAlgn="base"/>
             <a:r>
               <a:rPr lang="fi-FI" dirty="0" err="1"/>
               <a:t>Block</a:t>
@@ -3680,14 +3686,14 @@
             </a:r>
           </a:p>
           <a:p>
-            <a:pPr fontAlgn="base"/>
+            <a:pPr algn="just" fontAlgn="base"/>
             <a:r>
               <a:rPr lang="fi-FI" dirty="0"/>
               <a:t> ​</a:t>
             </a:r>
           </a:p>
           <a:p>
-            <a:pPr fontAlgn="base"/>
+            <a:pPr algn="just" fontAlgn="base"/>
             <a:r>
               <a:rPr lang="fi-FI" b="1" dirty="0" err="1"/>
               <a:t>References</a:t>
@@ -3698,7 +3704,7 @@
             </a:r>
           </a:p>
           <a:p>
-            <a:pPr fontAlgn="base"/>
+            <a:pPr algn="just" fontAlgn="base"/>
             <a:r>
               <a:rPr lang="fi-FI" u="sng" dirty="0">
                 <a:hlinkClick r:id="rId3"/>
@@ -3733,23 +3739,6 @@
               <a:rPr lang="fi-FI" dirty="0"/>
               <a:t>.</a:t>
             </a:r>
-          </a:p>
-          <a:p>
-            <a:pPr fontAlgn="base"/>
-            <a:r>
-              <a:rPr lang="fi-FI" dirty="0">
-                <a:hlinkClick r:id="rId4"/>
-              </a:rPr>
-              <a:t>https://bitcoin.org/bitcoin.pdf</a:t>
-            </a:r>
-            <a:r>
-              <a:rPr lang="fi-FI" dirty="0"/>
-              <a:t> </a:t>
-            </a:r>
-          </a:p>
-          <a:p>
-            <a:pPr algn="just"/>
-            <a:endParaRPr lang="fi-FI" dirty="0"/>
           </a:p>
           <a:p>
             <a:pPr algn="just"/>
@@ -4305,7 +4294,7 @@
           <p:nvPr/>
         </p:nvPicPr>
         <p:blipFill>
-          <a:blip r:embed="rId5"/>
+          <a:blip r:embed="rId4"/>
           <a:stretch>
             <a:fillRect/>
           </a:stretch>
@@ -4335,14 +4324,14 @@
           <p:nvPr/>
         </p:nvPicPr>
         <p:blipFill>
-          <a:blip r:embed="rId6"/>
+          <a:blip r:embed="rId5"/>
           <a:stretch>
             <a:fillRect/>
           </a:stretch>
         </p:blipFill>
         <p:spPr>
           <a:xfrm>
-            <a:off x="6338332" y="9530379"/>
+            <a:off x="6338332" y="9969555"/>
             <a:ext cx="2993599" cy="1386697"/>
           </a:xfrm>
           <a:prstGeom prst="rect">
@@ -4366,8 +4355,8 @@
         </p:nvSpPr>
         <p:spPr>
           <a:xfrm>
-            <a:off x="6338332" y="10917079"/>
-            <a:ext cx="2943490" cy="749583"/>
+            <a:off x="6273497" y="11382185"/>
+            <a:ext cx="2943490" cy="943748"/>
           </a:xfrm>
           <a:prstGeom prst="rect">
             <a:avLst/>
@@ -4678,7 +4667,73 @@
                   </a:schemeClr>
                 </a:solidFill>
               </a:rPr>
-              <a:t> </a:t>
+              <a:t>, </a:t>
+            </a:r>
+            <a:r>
+              <a:rPr lang="fi-FI" sz="1200" dirty="0" err="1">
+                <a:solidFill>
+                  <a:schemeClr val="tx1">
+                    <a:lumMod val="50000"/>
+                    <a:lumOff val="50000"/>
+                  </a:schemeClr>
+                </a:solidFill>
+              </a:rPr>
+              <a:t>such</a:t>
+            </a:r>
+            <a:r>
+              <a:rPr lang="fi-FI" sz="1200" dirty="0">
+                <a:solidFill>
+                  <a:schemeClr val="tx1">
+                    <a:lumMod val="50000"/>
+                    <a:lumOff val="50000"/>
+                  </a:schemeClr>
+                </a:solidFill>
+              </a:rPr>
+              <a:t> as </a:t>
+            </a:r>
+            <a:r>
+              <a:rPr lang="fi-FI" sz="1200" dirty="0" err="1">
+                <a:solidFill>
+                  <a:schemeClr val="tx1">
+                    <a:lumMod val="50000"/>
+                    <a:lumOff val="50000"/>
+                  </a:schemeClr>
+                </a:solidFill>
+              </a:rPr>
+              <a:t>this</a:t>
+            </a:r>
+            <a:r>
+              <a:rPr lang="fi-FI" sz="1200" dirty="0">
+                <a:solidFill>
+                  <a:schemeClr val="tx1">
+                    <a:lumMod val="50000"/>
+                    <a:lumOff val="50000"/>
+                  </a:schemeClr>
+                </a:solidFill>
+              </a:rPr>
+              <a:t> </a:t>
+            </a:r>
+            <a:r>
+              <a:rPr lang="fi-FI" sz="1200" dirty="0" err="1">
+                <a:solidFill>
+                  <a:schemeClr val="tx1">
+                    <a:lumMod val="50000"/>
+                    <a:lumOff val="50000"/>
+                  </a:schemeClr>
+                </a:solidFill>
+              </a:rPr>
+              <a:t>one</a:t>
+            </a:r>
+            <a:r>
+              <a:rPr lang="fi-FI" sz="1200" dirty="0">
+                <a:solidFill>
+                  <a:schemeClr val="tx1">
+                    <a:lumMod val="50000"/>
+                    <a:lumOff val="50000"/>
+                  </a:schemeClr>
+                </a:solidFill>
+              </a:rPr>
+              <a:t>, </a:t>
             </a:r>
             <a:r>
               <a:rPr lang="fi-FI" sz="1200" dirty="0" err="1">

--- a/Dokumentaatio/miettinen-lauri-thesis-poster.pptx
+++ b/Dokumentaatio/miettinen-lauri-thesis-poster.pptx
@@ -220,7 +220,7 @@
             <a:fld id="{19EC9BF0-2C59-2C46-BBD9-7948B59DC01B}" type="datetime1">
               <a:rPr lang="fi-FI" smtClean="0"/>
               <a:pPr/>
-              <a:t>2.12.2017</a:t>
+              <a:t>3.12.2017</a:t>
             </a:fld>
             <a:endParaRPr lang="fi-FI"/>
           </a:p>
@@ -388,7 +388,7 @@
             <a:fld id="{0E4AA8A8-4D46-BD40-89BF-70B4CBE4D6DF}" type="datetime1">
               <a:rPr lang="fi-FI" smtClean="0"/>
               <a:pPr/>
-              <a:t>2.12.2017</a:t>
+              <a:t>3.12.2017</a:t>
             </a:fld>
             <a:endParaRPr lang="fi-FI"/>
           </a:p>
@@ -701,7 +701,7 @@
           <a:bodyPr/>
           <a:lstStyle/>
           <a:p>
-            <a:endParaRPr lang="fi-FI"/>
+            <a:endParaRPr lang="fi-FI" dirty="0"/>
           </a:p>
         </p:txBody>
       </p:sp>
@@ -2469,7 +2469,7 @@
             </a:r>
             <a:r>
               <a:rPr lang="en-US" dirty="0"/>
-              <a:t> currency was invented in 2009. </a:t>
+              <a:t> currency was invented in 2009. All bitcoin transactions are saved into a decentralized database called the block chain. The </a:t>
             </a:r>
             <a:r>
               <a:rPr lang="en-US" dirty="0" err="1"/>
@@ -2477,7 +2477,7 @@
             </a:r>
             <a:r>
               <a:rPr lang="en-US" dirty="0"/>
-              <a:t>-transactions are saved into a decentralized data base called the block chain. Years later, a man named </a:t>
+              <a:t>-platform pioneered the block chain technology. Years later, a man named </a:t>
             </a:r>
             <a:r>
               <a:rPr lang="en-US" dirty="0" err="1"/>
@@ -2511,8 +2511,12 @@
           <a:p>
             <a:pPr algn="just"/>
             <a:r>
+              <a:rPr lang="fi-FI" dirty="0"/>
+              <a:t>​</a:t>
+            </a:r>
+            <a:r>
               <a:rPr lang="en-US" dirty="0"/>
-              <a:t>This thesis was made for the </a:t>
+              <a:t>The goal of this thesis was to create an application that would show in a concrete way how the block chain technology could be used in the future. The thesis was made for the </a:t>
             </a:r>
             <a:r>
               <a:rPr lang="en-US" dirty="0" err="1"/>
@@ -2520,15 +2524,7 @@
             </a:r>
             <a:r>
               <a:rPr lang="en-US" dirty="0"/>
-              <a:t>-program – a Finnish research project for studying future technologies. </a:t>
-            </a:r>
-            <a:r>
-              <a:rPr lang="fi-FI" dirty="0"/>
-              <a:t>​</a:t>
-            </a:r>
-            <a:r>
-              <a:rPr lang="en-US" dirty="0"/>
-              <a:t>The goal of the project was to create an application that would show in a concrete way how the block chain technology could be used in the future</a:t>
+              <a:t>-program – a Finnish research project for studying future technologies.</a:t>
             </a:r>
             <a:endParaRPr lang="fi-FI" dirty="0"/>
           </a:p>
@@ -2555,7 +2551,7 @@
             </a:r>
             <a:r>
               <a:rPr lang="fi-FI" dirty="0"/>
-              <a:t> idea for </a:t>
+              <a:t> idea of </a:t>
             </a:r>
             <a:r>
               <a:rPr lang="fi-FI" dirty="0" err="1"/>
@@ -2937,7 +2933,7 @@
             </a:r>
             <a:r>
               <a:rPr lang="en-US" dirty="0"/>
-              <a:t> name was changed to </a:t>
+              <a:t> name was changed to “</a:t>
             </a:r>
             <a:r>
               <a:rPr lang="en-US" dirty="0" err="1"/>
@@ -2945,7 +2941,7 @@
             </a:r>
             <a:r>
               <a:rPr lang="en-US" dirty="0"/>
-              <a:t> in Oct. 2017.)</a:t>
+              <a:t>” in October 2017.)</a:t>
             </a:r>
             <a:endParaRPr lang="fi-FI" dirty="0"/>
           </a:p>
@@ -3111,29 +3107,6 @@
           <a:p>
             <a:pPr algn="just"/>
             <a:endParaRPr lang="fi-FI" dirty="0"/>
-          </a:p>
-          <a:p>
-            <a:pPr algn="just" fontAlgn="base"/>
-            <a:r>
-              <a:rPr lang="fi-FI" b="1" dirty="0" err="1"/>
-              <a:t>Results</a:t>
-            </a:r>
-            <a:r>
-              <a:rPr lang="fi-FI" dirty="0"/>
-              <a:t>​</a:t>
-            </a:r>
-            <a:endParaRPr lang="en-US" dirty="0"/>
-          </a:p>
-          <a:p>
-            <a:pPr algn="just" fontAlgn="base"/>
-            <a:r>
-              <a:rPr lang="fi-FI" dirty="0"/>
-              <a:t>​</a:t>
-            </a:r>
-            <a:r>
-              <a:rPr lang="en-US" dirty="0"/>
-              <a:t>Most of the planned use-cases were successfully implemented. The greatest obstacle in the project were the lacking features of the Solidity-language. Solidity-language is, however, easy to learn. Meteor is a very useful framework.</a:t>
-            </a:r>
           </a:p>
           <a:p>
             <a:pPr algn="just"/>
@@ -3164,6 +3137,33 @@
             <a:pPr algn="just" fontAlgn="base"/>
             <a:r>
               <a:rPr lang="fi-FI" b="1" dirty="0" err="1"/>
+              <a:t>Results</a:t>
+            </a:r>
+            <a:r>
+              <a:rPr lang="fi-FI" dirty="0"/>
+              <a:t>​</a:t>
+            </a:r>
+            <a:endParaRPr lang="en-US" dirty="0"/>
+          </a:p>
+          <a:p>
+            <a:pPr algn="just" fontAlgn="base"/>
+            <a:r>
+              <a:rPr lang="fi-FI" dirty="0"/>
+              <a:t>​</a:t>
+            </a:r>
+            <a:r>
+              <a:rPr lang="en-US" dirty="0"/>
+              <a:t>Most of the planned use-cases were successfully implemented. The greatest obstacle in the project were the lacking features of the Solidity-language. Solidity-language is, however, easy to learn. Meteor is a very useful framework.</a:t>
+            </a:r>
+          </a:p>
+          <a:p>
+            <a:pPr algn="just" fontAlgn="base"/>
+            <a:endParaRPr lang="fi-FI" b="1" dirty="0"/>
+          </a:p>
+          <a:p>
+            <a:pPr algn="just" fontAlgn="base"/>
+            <a:r>
+              <a:rPr lang="fi-FI" b="1" dirty="0" err="1"/>
               <a:t>Conclusions</a:t>
             </a:r>
             <a:r>
@@ -3271,15 +3271,23 @@
             </a:r>
             <a:r>
               <a:rPr lang="fi-FI" dirty="0" err="1"/>
-              <a:t>This</a:t>
-            </a:r>
-            <a:r>
-              <a:rPr lang="fi-FI" dirty="0"/>
-              <a:t> </a:t>
-            </a:r>
-            <a:r>
-              <a:rPr lang="fi-FI" dirty="0" err="1"/>
-              <a:t>project</a:t>
+              <a:t>Working</a:t>
+            </a:r>
+            <a:r>
+              <a:rPr lang="fi-FI" dirty="0"/>
+              <a:t> on </a:t>
+            </a:r>
+            <a:r>
+              <a:rPr lang="fi-FI" dirty="0" err="1"/>
+              <a:t>this</a:t>
+            </a:r>
+            <a:r>
+              <a:rPr lang="fi-FI" dirty="0"/>
+              <a:t> </a:t>
+            </a:r>
+            <a:r>
+              <a:rPr lang="fi-FI" dirty="0" err="1"/>
+              <a:t>thesis</a:t>
             </a:r>
             <a:r>
               <a:rPr lang="fi-FI" dirty="0"/>
@@ -3311,71 +3319,15 @@
             </a:r>
             <a:r>
               <a:rPr lang="fi-FI" dirty="0" err="1"/>
+              <a:t>future</a:t>
+            </a:r>
+            <a:r>
+              <a:rPr lang="fi-FI" dirty="0"/>
+              <a:t> </a:t>
+            </a:r>
+            <a:r>
+              <a:rPr lang="fi-FI" dirty="0" err="1"/>
               <a:t>technologies</a:t>
-            </a:r>
-            <a:r>
-              <a:rPr lang="fi-FI" dirty="0"/>
-              <a:t> </a:t>
-            </a:r>
-            <a:r>
-              <a:rPr lang="fi-FI" dirty="0" err="1"/>
-              <a:t>we</a:t>
-            </a:r>
-            <a:r>
-              <a:rPr lang="fi-FI" dirty="0"/>
-              <a:t> </a:t>
-            </a:r>
-            <a:r>
-              <a:rPr lang="fi-FI" dirty="0" err="1"/>
-              <a:t>all</a:t>
-            </a:r>
-            <a:r>
-              <a:rPr lang="fi-FI" dirty="0"/>
-              <a:t> </a:t>
-            </a:r>
-            <a:r>
-              <a:rPr lang="fi-FI" dirty="0" err="1"/>
-              <a:t>might</a:t>
-            </a:r>
-            <a:r>
-              <a:rPr lang="fi-FI" dirty="0"/>
-              <a:t> </a:t>
-            </a:r>
-            <a:r>
-              <a:rPr lang="fi-FI" dirty="0" err="1"/>
-              <a:t>end</a:t>
-            </a:r>
-            <a:r>
-              <a:rPr lang="fi-FI" dirty="0"/>
-              <a:t> </a:t>
-            </a:r>
-            <a:r>
-              <a:rPr lang="fi-FI" dirty="0" err="1"/>
-              <a:t>up</a:t>
-            </a:r>
-            <a:r>
-              <a:rPr lang="fi-FI" dirty="0"/>
-              <a:t> </a:t>
-            </a:r>
-            <a:r>
-              <a:rPr lang="fi-FI" dirty="0" err="1"/>
-              <a:t>seeing</a:t>
-            </a:r>
-            <a:r>
-              <a:rPr lang="fi-FI" dirty="0"/>
-              <a:t> in </a:t>
-            </a:r>
-            <a:r>
-              <a:rPr lang="fi-FI" dirty="0" err="1"/>
-              <a:t>the</a:t>
-            </a:r>
-            <a:r>
-              <a:rPr lang="fi-FI" dirty="0"/>
-              <a:t> </a:t>
-            </a:r>
-            <a:r>
-              <a:rPr lang="fi-FI" dirty="0" err="1"/>
-              <a:t>future</a:t>
             </a:r>
             <a:r>
               <a:rPr lang="fi-FI" dirty="0"/>
@@ -4331,8 +4283,8 @@
         </p:blipFill>
         <p:spPr>
           <a:xfrm>
-            <a:off x="6338332" y="9969555"/>
-            <a:ext cx="2993599" cy="1386697"/>
+            <a:off x="3358743" y="9806258"/>
+            <a:ext cx="2813821" cy="1303421"/>
           </a:xfrm>
           <a:prstGeom prst="rect">
             <a:avLst/>
@@ -4355,7 +4307,7 @@
         </p:nvSpPr>
         <p:spPr>
           <a:xfrm>
-            <a:off x="6273497" y="11382185"/>
+            <a:off x="3293909" y="11137761"/>
             <a:ext cx="2943490" cy="943748"/>
           </a:xfrm>
           <a:prstGeom prst="rect">

--- a/Dokumentaatio/miettinen-lauri-thesis-poster.pptx
+++ b/Dokumentaatio/miettinen-lauri-thesis-poster.pptx
@@ -2461,7 +2461,7 @@
             <a:pPr algn="just"/>
             <a:r>
               <a:rPr lang="en-US" dirty="0"/>
-              <a:t>The </a:t>
+              <a:t>The bitcoin was invented in 2009. All bitcoin-transactions are saved into a decentralized database called the block chain. The </a:t>
             </a:r>
             <a:r>
               <a:rPr lang="en-US" dirty="0" err="1"/>
@@ -2469,14 +2469,6 @@
             </a:r>
             <a:r>
               <a:rPr lang="en-US" dirty="0"/>
-              <a:t> currency was invented in 2009. All bitcoin transactions are saved into a decentralized database called the block chain. The </a:t>
-            </a:r>
-            <a:r>
-              <a:rPr lang="en-US" dirty="0" err="1"/>
-              <a:t>BitCoin</a:t>
-            </a:r>
-            <a:r>
-              <a:rPr lang="en-US" dirty="0"/>
               <a:t>-platform pioneered the block chain technology. Years later, a man named </a:t>
             </a:r>
             <a:r>
@@ -2731,23 +2723,23 @@
             </a:r>
             <a:r>
               <a:rPr lang="fi-FI" dirty="0" err="1"/>
-              <a:t>trafficking</a:t>
-            </a:r>
-            <a:r>
-              <a:rPr lang="fi-FI" dirty="0"/>
-              <a:t>. </a:t>
-            </a:r>
-            <a:r>
-              <a:rPr lang="fi-FI" dirty="0" err="1"/>
-              <a:t>Both</a:t>
-            </a:r>
-            <a:r>
-              <a:rPr lang="fi-FI" dirty="0"/>
-              <a:t> of </a:t>
-            </a:r>
-            <a:r>
-              <a:rPr lang="fi-FI" dirty="0" err="1"/>
-              <a:t>these</a:t>
+              <a:t>the</a:t>
+            </a:r>
+            <a:r>
+              <a:rPr lang="fi-FI" dirty="0"/>
+              <a:t> </a:t>
+            </a:r>
+            <a:r>
+              <a:rPr lang="fi-FI" dirty="0" err="1"/>
+              <a:t>traffic</a:t>
+            </a:r>
+            <a:r>
+              <a:rPr lang="fi-FI" dirty="0"/>
+              <a:t> business. </a:t>
+            </a:r>
+            <a:r>
+              <a:rPr lang="fi-FI" dirty="0" err="1"/>
+              <a:t>These</a:t>
             </a:r>
             <a:r>
               <a:rPr lang="fi-FI" dirty="0"/>
